--- a/プレゼン/G18_プレゼン用PWP.pptx
+++ b/プレゼン/G18_プレゼン用PWP.pptx
@@ -254,7 +254,7 @@
           <a:p>
             <a:fld id="{E69596A1-627C-4CF0-BCB9-D41D8A5CB327}" type="datetimeFigureOut">
               <a:rPr kumimoji="1" lang="ja-JP" altLang="en-US" smtClean="0"/>
-              <a:t>2015/6/12</a:t>
+              <a:t>2015/6/13</a:t>
             </a:fld>
             <a:endParaRPr kumimoji="1" lang="ja-JP" altLang="en-US"/>
           </a:p>
@@ -456,7 +456,7 @@
           <a:p>
             <a:fld id="{E69596A1-627C-4CF0-BCB9-D41D8A5CB327}" type="datetimeFigureOut">
               <a:rPr kumimoji="1" lang="ja-JP" altLang="en-US" smtClean="0"/>
-              <a:t>2015/6/12</a:t>
+              <a:t>2015/6/13</a:t>
             </a:fld>
             <a:endParaRPr kumimoji="1" lang="ja-JP" altLang="en-US"/>
           </a:p>
@@ -668,7 +668,7 @@
           <a:p>
             <a:fld id="{E69596A1-627C-4CF0-BCB9-D41D8A5CB327}" type="datetimeFigureOut">
               <a:rPr kumimoji="1" lang="ja-JP" altLang="en-US" smtClean="0"/>
-              <a:t>2015/6/12</a:t>
+              <a:t>2015/6/13</a:t>
             </a:fld>
             <a:endParaRPr kumimoji="1" lang="ja-JP" altLang="en-US"/>
           </a:p>
@@ -870,7 +870,7 @@
           <a:p>
             <a:fld id="{E69596A1-627C-4CF0-BCB9-D41D8A5CB327}" type="datetimeFigureOut">
               <a:rPr kumimoji="1" lang="ja-JP" altLang="en-US" smtClean="0"/>
-              <a:t>2015/6/12</a:t>
+              <a:t>2015/6/13</a:t>
             </a:fld>
             <a:endParaRPr kumimoji="1" lang="ja-JP" altLang="en-US"/>
           </a:p>
@@ -1116,7 +1116,7 @@
           <a:p>
             <a:fld id="{E69596A1-627C-4CF0-BCB9-D41D8A5CB327}" type="datetimeFigureOut">
               <a:rPr kumimoji="1" lang="ja-JP" altLang="en-US" smtClean="0"/>
-              <a:t>2015/6/12</a:t>
+              <a:t>2015/6/13</a:t>
             </a:fld>
             <a:endParaRPr kumimoji="1" lang="ja-JP" altLang="en-US"/>
           </a:p>
@@ -1412,7 +1412,7 @@
           <a:p>
             <a:fld id="{E69596A1-627C-4CF0-BCB9-D41D8A5CB327}" type="datetimeFigureOut">
               <a:rPr kumimoji="1" lang="ja-JP" altLang="en-US" smtClean="0"/>
-              <a:t>2015/6/12</a:t>
+              <a:t>2015/6/13</a:t>
             </a:fld>
             <a:endParaRPr kumimoji="1" lang="ja-JP" altLang="en-US"/>
           </a:p>
@@ -1843,7 +1843,7 @@
           <a:p>
             <a:fld id="{E69596A1-627C-4CF0-BCB9-D41D8A5CB327}" type="datetimeFigureOut">
               <a:rPr kumimoji="1" lang="ja-JP" altLang="en-US" smtClean="0"/>
-              <a:t>2015/6/12</a:t>
+              <a:t>2015/6/13</a:t>
             </a:fld>
             <a:endParaRPr kumimoji="1" lang="ja-JP" altLang="en-US"/>
           </a:p>
@@ -1961,7 +1961,7 @@
           <a:p>
             <a:fld id="{E69596A1-627C-4CF0-BCB9-D41D8A5CB327}" type="datetimeFigureOut">
               <a:rPr kumimoji="1" lang="ja-JP" altLang="en-US" smtClean="0"/>
-              <a:t>2015/6/12</a:t>
+              <a:t>2015/6/13</a:t>
             </a:fld>
             <a:endParaRPr kumimoji="1" lang="ja-JP" altLang="en-US"/>
           </a:p>
@@ -2056,7 +2056,7 @@
           <a:p>
             <a:fld id="{E69596A1-627C-4CF0-BCB9-D41D8A5CB327}" type="datetimeFigureOut">
               <a:rPr kumimoji="1" lang="ja-JP" altLang="en-US" smtClean="0"/>
-              <a:t>2015/6/12</a:t>
+              <a:t>2015/6/13</a:t>
             </a:fld>
             <a:endParaRPr kumimoji="1" lang="ja-JP" altLang="en-US"/>
           </a:p>
@@ -2365,7 +2365,7 @@
           <a:p>
             <a:fld id="{E69596A1-627C-4CF0-BCB9-D41D8A5CB327}" type="datetimeFigureOut">
               <a:rPr kumimoji="1" lang="ja-JP" altLang="en-US" smtClean="0"/>
-              <a:t>2015/6/12</a:t>
+              <a:t>2015/6/13</a:t>
             </a:fld>
             <a:endParaRPr kumimoji="1" lang="ja-JP" altLang="en-US"/>
           </a:p>
@@ -2618,7 +2618,7 @@
           <a:p>
             <a:fld id="{E69596A1-627C-4CF0-BCB9-D41D8A5CB327}" type="datetimeFigureOut">
               <a:rPr kumimoji="1" lang="ja-JP" altLang="en-US" smtClean="0"/>
-              <a:t>2015/6/12</a:t>
+              <a:t>2015/6/13</a:t>
             </a:fld>
             <a:endParaRPr kumimoji="1" lang="ja-JP" altLang="en-US"/>
           </a:p>
@@ -2863,7 +2863,7 @@
           <a:p>
             <a:fld id="{E69596A1-627C-4CF0-BCB9-D41D8A5CB327}" type="datetimeFigureOut">
               <a:rPr kumimoji="1" lang="ja-JP" altLang="en-US" smtClean="0"/>
-              <a:t>2015/6/12</a:t>
+              <a:t>2015/6/13</a:t>
             </a:fld>
             <a:endParaRPr kumimoji="1" lang="ja-JP" altLang="en-US"/>
           </a:p>
@@ -4678,7 +4678,7 @@
         <p:spPr>
           <a:xfrm>
             <a:off x="496389" y="400595"/>
-            <a:ext cx="3451586" cy="769441"/>
+            <a:ext cx="2975495" cy="769441"/>
           </a:xfrm>
           <a:prstGeom prst="rect">
             <a:avLst/>
@@ -4695,7 +4695,7 @@
               <a:rPr lang="ja-JP" altLang="en-US" sz="4400" dirty="0" smtClean="0">
                 <a:latin typeface="Segoe WP Black" panose="020B0A02040504020203" pitchFamily="34" charset="0"/>
               </a:rPr>
-              <a:t>キャラクター２</a:t>
+              <a:t>手助け方法</a:t>
             </a:r>
             <a:endParaRPr kumimoji="1" lang="ja-JP" altLang="en-US" sz="4400" dirty="0">
               <a:latin typeface="Segoe WP Black" panose="020B0A02040504020203" pitchFamily="34" charset="0"/>
@@ -4803,6 +4803,36 @@
           <a:chExt cx="0" cy="0"/>
         </a:xfrm>
       </p:grpSpPr>
+      <p:pic>
+        <p:nvPicPr>
+          <p:cNvPr id="17" name="図 16"/>
+          <p:cNvPicPr>
+            <a:picLocks noChangeAspect="1"/>
+          </p:cNvPicPr>
+          <p:nvPr/>
+        </p:nvPicPr>
+        <p:blipFill>
+          <a:blip r:embed="rId2" cstate="print">
+            <a:extLst>
+              <a:ext uri="{28A0092B-C50C-407E-A947-70E740481C1C}">
+                <a14:useLocalDpi xmlns:a14="http://schemas.microsoft.com/office/drawing/2010/main" val="0"/>
+              </a:ext>
+            </a:extLst>
+          </a:blip>
+          <a:stretch>
+            <a:fillRect/>
+          </a:stretch>
+        </p:blipFill>
+        <p:spPr>
+          <a:xfrm>
+            <a:off x="10988842" y="5654842"/>
+            <a:ext cx="1203157" cy="1203157"/>
+          </a:xfrm>
+          <a:prstGeom prst="rect">
+            <a:avLst/>
+          </a:prstGeom>
+        </p:spPr>
+      </p:pic>
       <p:sp>
         <p:nvSpPr>
           <p:cNvPr id="2" name="テキスト ボックス 1"/>
@@ -4812,7 +4842,7 @@
         <p:spPr>
           <a:xfrm>
             <a:off x="496389" y="400595"/>
-            <a:ext cx="3451586" cy="769441"/>
+            <a:ext cx="5295039" cy="769441"/>
           </a:xfrm>
           <a:prstGeom prst="rect">
             <a:avLst/>
@@ -4829,7 +4859,7 @@
               <a:rPr lang="ja-JP" altLang="en-US" sz="4400" dirty="0" smtClean="0">
                 <a:latin typeface="Segoe WP Black" panose="020B0A02040504020203" pitchFamily="34" charset="0"/>
               </a:rPr>
-              <a:t>キャラクター３</a:t>
+              <a:t>押しポイント（汎用性）</a:t>
             </a:r>
             <a:endParaRPr kumimoji="1" lang="ja-JP" altLang="en-US" sz="4400" dirty="0">
               <a:latin typeface="Segoe WP Black" panose="020B0A02040504020203" pitchFamily="34" charset="0"/>
@@ -4875,8 +4905,8 @@
         </p:nvSpPr>
         <p:spPr>
           <a:xfrm>
-            <a:off x="6821347" y="662310"/>
-            <a:ext cx="5037827" cy="2563969"/>
+            <a:off x="6821347" y="662311"/>
+            <a:ext cx="5037827" cy="2348310"/>
           </a:xfrm>
           <a:prstGeom prst="roundRect">
             <a:avLst/>
@@ -5041,7 +5071,7 @@
         </p:nvSpPr>
         <p:spPr>
           <a:xfrm>
-            <a:off x="6821345" y="3517904"/>
+            <a:off x="6821347" y="3248872"/>
             <a:ext cx="5037827" cy="2520587"/>
           </a:xfrm>
           <a:prstGeom prst="roundRect">
@@ -5087,7 +5117,7 @@
         </p:nvSpPr>
         <p:spPr>
           <a:xfrm>
-            <a:off x="7996687" y="3770994"/>
+            <a:off x="7990368" y="3482011"/>
             <a:ext cx="2699778" cy="707886"/>
           </a:xfrm>
           <a:prstGeom prst="rect">
@@ -5117,7 +5147,7 @@
         </p:nvSpPr>
         <p:spPr>
           <a:xfrm>
-            <a:off x="7047486" y="4494023"/>
+            <a:off x="7047486" y="4332673"/>
             <a:ext cx="1393330" cy="584775"/>
           </a:xfrm>
           <a:prstGeom prst="rect">
@@ -5147,7 +5177,7 @@
         </p:nvSpPr>
         <p:spPr>
           <a:xfrm>
-            <a:off x="8427187" y="4509166"/>
+            <a:off x="8440816" y="4314356"/>
             <a:ext cx="1826141" cy="584775"/>
           </a:xfrm>
           <a:prstGeom prst="rect">
@@ -5177,7 +5207,7 @@
         </p:nvSpPr>
         <p:spPr>
           <a:xfrm>
-            <a:off x="7047486" y="5235489"/>
+            <a:off x="7053256" y="5041907"/>
             <a:ext cx="2300630" cy="584775"/>
           </a:xfrm>
           <a:prstGeom prst="rect">
@@ -5208,7 +5238,7 @@
           <p:nvPr/>
         </p:nvPicPr>
         <p:blipFill>
-          <a:blip r:embed="rId2" cstate="print">
+          <a:blip r:embed="rId3" cstate="print">
             <a:extLst>
               <a:ext uri="{28A0092B-C50C-407E-A947-70E740481C1C}">
                 <a14:useLocalDpi xmlns:a14="http://schemas.microsoft.com/office/drawing/2010/main" val="0"/>
@@ -5459,6 +5489,36 @@
           </a:p>
         </p:txBody>
       </p:sp>
+      <p:pic>
+        <p:nvPicPr>
+          <p:cNvPr id="5" name="図 4"/>
+          <p:cNvPicPr>
+            <a:picLocks noChangeAspect="1"/>
+          </p:cNvPicPr>
+          <p:nvPr/>
+        </p:nvPicPr>
+        <p:blipFill>
+          <a:blip r:embed="rId3" cstate="print">
+            <a:extLst>
+              <a:ext uri="{28A0092B-C50C-407E-A947-70E740481C1C}">
+                <a14:useLocalDpi xmlns:a14="http://schemas.microsoft.com/office/drawing/2010/main" val="0"/>
+              </a:ext>
+            </a:extLst>
+          </a:blip>
+          <a:stretch>
+            <a:fillRect/>
+          </a:stretch>
+        </p:blipFill>
+        <p:spPr>
+          <a:xfrm>
+            <a:off x="10988842" y="5654842"/>
+            <a:ext cx="1203157" cy="1203157"/>
+          </a:xfrm>
+          <a:prstGeom prst="rect">
+            <a:avLst/>
+          </a:prstGeom>
+        </p:spPr>
+      </p:pic>
     </p:spTree>
     <p:extLst>
       <p:ext uri="{BB962C8B-B14F-4D97-AF65-F5344CB8AC3E}">
@@ -5698,7 +5758,7 @@
         <p:spPr>
           <a:xfrm>
             <a:off x="1277899" y="2386389"/>
-            <a:ext cx="8922635" cy="1323439"/>
+            <a:ext cx="6144631" cy="1323439"/>
           </a:xfrm>
           <a:prstGeom prst="rect">
             <a:avLst/>
@@ -5713,7 +5773,11 @@
           <a:p>
             <a:r>
               <a:rPr kumimoji="1" lang="ja-JP" altLang="en-US" sz="8000" dirty="0" smtClean="0"/>
-              <a:t>一つの宝物を巡って</a:t>
+              <a:t>一つの宝物</a:t>
+            </a:r>
+            <a:r>
+              <a:rPr kumimoji="1" lang="ja-JP" altLang="en-US" sz="8000" dirty="0" smtClean="0"/>
+              <a:t>を</a:t>
             </a:r>
             <a:endParaRPr kumimoji="1" lang="ja-JP" altLang="en-US" sz="8000" dirty="0"/>
           </a:p>
@@ -5728,7 +5792,7 @@
         <p:spPr>
           <a:xfrm>
             <a:off x="3600281" y="3709828"/>
-            <a:ext cx="7487947" cy="1323439"/>
+            <a:ext cx="7691529" cy="1323439"/>
           </a:xfrm>
           <a:prstGeom prst="rect">
             <a:avLst/>
@@ -5743,7 +5807,11 @@
           <a:p>
             <a:r>
               <a:rPr kumimoji="1" lang="ja-JP" altLang="en-US" sz="8000" dirty="0" smtClean="0"/>
-              <a:t>四人が取り合う。</a:t>
+              <a:t>四人</a:t>
+            </a:r>
+            <a:r>
+              <a:rPr kumimoji="1" lang="ja-JP" altLang="en-US" sz="8000" dirty="0" smtClean="0"/>
+              <a:t>が奪い合う。</a:t>
             </a:r>
             <a:endParaRPr kumimoji="1" lang="ja-JP" altLang="en-US" sz="8000" dirty="0"/>
           </a:p>
@@ -5758,7 +5826,7 @@
         <p:spPr>
           <a:xfrm>
             <a:off x="600891" y="487679"/>
-            <a:ext cx="1736373" cy="769441"/>
+            <a:ext cx="2502608" cy="769441"/>
           </a:xfrm>
           <a:prstGeom prst="rect">
             <a:avLst/>
@@ -5773,7 +5841,7 @@
           <a:p>
             <a:r>
               <a:rPr kumimoji="1" lang="ja-JP" altLang="en-US" sz="4400" dirty="0" smtClean="0"/>
-              <a:t>テーマ</a:t>
+              <a:t>コンセプト</a:t>
             </a:r>
             <a:endParaRPr kumimoji="1" lang="ja-JP" altLang="en-US" sz="4400" dirty="0"/>
           </a:p>

--- a/プレゼン/G18_プレゼン用PWP.pptx
+++ b/プレゼン/G18_プレゼン用PWP.pptx
@@ -4,6 +4,9 @@
   <p:sldMasterIdLst>
     <p:sldMasterId id="2147483648" r:id="rId1"/>
   </p:sldMasterIdLst>
+  <p:notesMasterIdLst>
+    <p:notesMasterId r:id="rId15"/>
+  </p:notesMasterIdLst>
   <p:sldIdLst>
     <p:sldId id="256" r:id="rId2"/>
     <p:sldId id="264" r:id="rId3"/>
@@ -12,11 +15,12 @@
     <p:sldId id="267" r:id="rId6"/>
     <p:sldId id="265" r:id="rId7"/>
     <p:sldId id="266" r:id="rId8"/>
-    <p:sldId id="261" r:id="rId9"/>
-    <p:sldId id="258" r:id="rId10"/>
+    <p:sldId id="258" r:id="rId9"/>
+    <p:sldId id="261" r:id="rId10"/>
     <p:sldId id="259" r:id="rId11"/>
     <p:sldId id="260" r:id="rId12"/>
     <p:sldId id="263" r:id="rId13"/>
+    <p:sldId id="268" r:id="rId14"/>
   </p:sldIdLst>
   <p:sldSz cx="12192000" cy="6858000"/>
   <p:notesSz cx="6858000" cy="9144000"/>
@@ -123,6 +127,1553 @@
 </p:presentation>
 </file>
 
+<file path=ppt/commentAuthors.xml><?xml version="1.0" encoding="utf-8"?>
+<p:cmAuthorLst xmlns:a="http://schemas.openxmlformats.org/drawingml/2006/main" xmlns:r="http://schemas.openxmlformats.org/officeDocument/2006/relationships" xmlns:p="http://schemas.openxmlformats.org/presentationml/2006/main">
+  <p:cmAuthor id="1" name="大澤雄太" initials="大澤雄太" lastIdx="1" clrIdx="0">
+    <p:extLst>
+      <p:ext uri="{19B8F6BF-5375-455C-9EA6-DF929625EA0E}">
+        <p15:presenceInfo xmlns:p15="http://schemas.microsoft.com/office/powerpoint/2012/main" userId="29107c329ec85b99" providerId="Windows Live"/>
+      </p:ext>
+    </p:extLst>
+  </p:cmAuthor>
+</p:cmAuthorLst>
+</file>
+
+<file path=ppt/notesMasters/notesMaster1.xml><?xml version="1.0" encoding="utf-8"?>
+<p:notesMaster xmlns:a="http://schemas.openxmlformats.org/drawingml/2006/main" xmlns:r="http://schemas.openxmlformats.org/officeDocument/2006/relationships" xmlns:p="http://schemas.openxmlformats.org/presentationml/2006/main">
+  <p:cSld>
+    <p:bg>
+      <p:bgRef idx="1001">
+        <a:schemeClr val="bg1"/>
+      </p:bgRef>
+    </p:bg>
+    <p:spTree>
+      <p:nvGrpSpPr>
+        <p:cNvPr id="1" name=""/>
+        <p:cNvGrpSpPr/>
+        <p:nvPr/>
+      </p:nvGrpSpPr>
+      <p:grpSpPr>
+        <a:xfrm>
+          <a:off x="0" y="0"/>
+          <a:ext cx="0" cy="0"/>
+          <a:chOff x="0" y="0"/>
+          <a:chExt cx="0" cy="0"/>
+        </a:xfrm>
+      </p:grpSpPr>
+      <p:sp>
+        <p:nvSpPr>
+          <p:cNvPr id="2" name="ヘッダー プレースホルダー 1"/>
+          <p:cNvSpPr>
+            <a:spLocks noGrp="1"/>
+          </p:cNvSpPr>
+          <p:nvPr>
+            <p:ph type="hdr" sz="quarter"/>
+          </p:nvPr>
+        </p:nvSpPr>
+        <p:spPr>
+          <a:xfrm>
+            <a:off x="0" y="0"/>
+            <a:ext cx="2971800" cy="458788"/>
+          </a:xfrm>
+          <a:prstGeom prst="rect">
+            <a:avLst/>
+          </a:prstGeom>
+        </p:spPr>
+        <p:txBody>
+          <a:bodyPr vert="horz" lIns="91440" tIns="45720" rIns="91440" bIns="45720" rtlCol="0"/>
+          <a:lstStyle>
+            <a:lvl1pPr algn="l">
+              <a:defRPr sz="1200"/>
+            </a:lvl1pPr>
+          </a:lstStyle>
+          <a:p>
+            <a:endParaRPr kumimoji="1" lang="ja-JP" altLang="en-US"/>
+          </a:p>
+        </p:txBody>
+      </p:sp>
+      <p:sp>
+        <p:nvSpPr>
+          <p:cNvPr id="3" name="日付プレースホルダー 2"/>
+          <p:cNvSpPr>
+            <a:spLocks noGrp="1"/>
+          </p:cNvSpPr>
+          <p:nvPr>
+            <p:ph type="dt" idx="1"/>
+          </p:nvPr>
+        </p:nvSpPr>
+        <p:spPr>
+          <a:xfrm>
+            <a:off x="3884613" y="0"/>
+            <a:ext cx="2971800" cy="458788"/>
+          </a:xfrm>
+          <a:prstGeom prst="rect">
+            <a:avLst/>
+          </a:prstGeom>
+        </p:spPr>
+        <p:txBody>
+          <a:bodyPr vert="horz" lIns="91440" tIns="45720" rIns="91440" bIns="45720" rtlCol="0"/>
+          <a:lstStyle>
+            <a:lvl1pPr algn="r">
+              <a:defRPr sz="1200"/>
+            </a:lvl1pPr>
+          </a:lstStyle>
+          <a:p>
+            <a:fld id="{565B32DD-5BF1-47B6-BFEB-6C01BE0AB784}" type="datetimeFigureOut">
+              <a:rPr kumimoji="1" lang="ja-JP" altLang="en-US" smtClean="0"/>
+              <a:t>2015/6/16</a:t>
+            </a:fld>
+            <a:endParaRPr kumimoji="1" lang="ja-JP" altLang="en-US"/>
+          </a:p>
+        </p:txBody>
+      </p:sp>
+      <p:sp>
+        <p:nvSpPr>
+          <p:cNvPr id="4" name="スライド イメージ プレースホルダー 3"/>
+          <p:cNvSpPr>
+            <a:spLocks noGrp="1" noRot="1" noChangeAspect="1"/>
+          </p:cNvSpPr>
+          <p:nvPr>
+            <p:ph type="sldImg" idx="2"/>
+          </p:nvPr>
+        </p:nvSpPr>
+        <p:spPr>
+          <a:xfrm>
+            <a:off x="685800" y="1143000"/>
+            <a:ext cx="5486400" cy="3086100"/>
+          </a:xfrm>
+          <a:prstGeom prst="rect">
+            <a:avLst/>
+          </a:prstGeom>
+          <a:noFill/>
+          <a:ln w="12700">
+            <a:solidFill>
+              <a:prstClr val="black"/>
+            </a:solidFill>
+          </a:ln>
+        </p:spPr>
+        <p:txBody>
+          <a:bodyPr vert="horz" lIns="91440" tIns="45720" rIns="91440" bIns="45720" rtlCol="0" anchor="ctr"/>
+          <a:lstStyle/>
+          <a:p>
+            <a:endParaRPr lang="ja-JP" altLang="en-US"/>
+          </a:p>
+        </p:txBody>
+      </p:sp>
+      <p:sp>
+        <p:nvSpPr>
+          <p:cNvPr id="5" name="ノート プレースホルダー 4"/>
+          <p:cNvSpPr>
+            <a:spLocks noGrp="1"/>
+          </p:cNvSpPr>
+          <p:nvPr>
+            <p:ph type="body" sz="quarter" idx="3"/>
+          </p:nvPr>
+        </p:nvSpPr>
+        <p:spPr>
+          <a:xfrm>
+            <a:off x="685800" y="4400550"/>
+            <a:ext cx="5486400" cy="3600450"/>
+          </a:xfrm>
+          <a:prstGeom prst="rect">
+            <a:avLst/>
+          </a:prstGeom>
+        </p:spPr>
+        <p:txBody>
+          <a:bodyPr vert="horz" lIns="91440" tIns="45720" rIns="91440" bIns="45720" rtlCol="0"/>
+          <a:lstStyle/>
+          <a:p>
+            <a:pPr lvl="0"/>
+            <a:r>
+              <a:rPr kumimoji="1" lang="ja-JP" altLang="en-US" smtClean="0"/>
+              <a:t>マスター テキストの書式設定</a:t>
+            </a:r>
+          </a:p>
+          <a:p>
+            <a:pPr lvl="1"/>
+            <a:r>
+              <a:rPr kumimoji="1" lang="ja-JP" altLang="en-US" smtClean="0"/>
+              <a:t>第 </a:t>
+            </a:r>
+            <a:r>
+              <a:rPr kumimoji="1" lang="en-US" altLang="ja-JP" smtClean="0"/>
+              <a:t>2 </a:t>
+            </a:r>
+            <a:r>
+              <a:rPr kumimoji="1" lang="ja-JP" altLang="en-US" smtClean="0"/>
+              <a:t>レベル</a:t>
+            </a:r>
+          </a:p>
+          <a:p>
+            <a:pPr lvl="2"/>
+            <a:r>
+              <a:rPr kumimoji="1" lang="ja-JP" altLang="en-US" smtClean="0"/>
+              <a:t>第 </a:t>
+            </a:r>
+            <a:r>
+              <a:rPr kumimoji="1" lang="en-US" altLang="ja-JP" smtClean="0"/>
+              <a:t>3 </a:t>
+            </a:r>
+            <a:r>
+              <a:rPr kumimoji="1" lang="ja-JP" altLang="en-US" smtClean="0"/>
+              <a:t>レベル</a:t>
+            </a:r>
+          </a:p>
+          <a:p>
+            <a:pPr lvl="3"/>
+            <a:r>
+              <a:rPr kumimoji="1" lang="ja-JP" altLang="en-US" smtClean="0"/>
+              <a:t>第 </a:t>
+            </a:r>
+            <a:r>
+              <a:rPr kumimoji="1" lang="en-US" altLang="ja-JP" smtClean="0"/>
+              <a:t>4 </a:t>
+            </a:r>
+            <a:r>
+              <a:rPr kumimoji="1" lang="ja-JP" altLang="en-US" smtClean="0"/>
+              <a:t>レベル</a:t>
+            </a:r>
+          </a:p>
+          <a:p>
+            <a:pPr lvl="4"/>
+            <a:r>
+              <a:rPr kumimoji="1" lang="ja-JP" altLang="en-US" smtClean="0"/>
+              <a:t>第 </a:t>
+            </a:r>
+            <a:r>
+              <a:rPr kumimoji="1" lang="en-US" altLang="ja-JP" smtClean="0"/>
+              <a:t>5 </a:t>
+            </a:r>
+            <a:r>
+              <a:rPr kumimoji="1" lang="ja-JP" altLang="en-US" smtClean="0"/>
+              <a:t>レベル</a:t>
+            </a:r>
+            <a:endParaRPr kumimoji="1" lang="ja-JP" altLang="en-US"/>
+          </a:p>
+        </p:txBody>
+      </p:sp>
+      <p:sp>
+        <p:nvSpPr>
+          <p:cNvPr id="6" name="フッター プレースホルダー 5"/>
+          <p:cNvSpPr>
+            <a:spLocks noGrp="1"/>
+          </p:cNvSpPr>
+          <p:nvPr>
+            <p:ph type="ftr" sz="quarter" idx="4"/>
+          </p:nvPr>
+        </p:nvSpPr>
+        <p:spPr>
+          <a:xfrm>
+            <a:off x="0" y="8685213"/>
+            <a:ext cx="2971800" cy="458787"/>
+          </a:xfrm>
+          <a:prstGeom prst="rect">
+            <a:avLst/>
+          </a:prstGeom>
+        </p:spPr>
+        <p:txBody>
+          <a:bodyPr vert="horz" lIns="91440" tIns="45720" rIns="91440" bIns="45720" rtlCol="0" anchor="b"/>
+          <a:lstStyle>
+            <a:lvl1pPr algn="l">
+              <a:defRPr sz="1200"/>
+            </a:lvl1pPr>
+          </a:lstStyle>
+          <a:p>
+            <a:endParaRPr kumimoji="1" lang="ja-JP" altLang="en-US"/>
+          </a:p>
+        </p:txBody>
+      </p:sp>
+      <p:sp>
+        <p:nvSpPr>
+          <p:cNvPr id="7" name="スライド番号プレースホルダー 6"/>
+          <p:cNvSpPr>
+            <a:spLocks noGrp="1"/>
+          </p:cNvSpPr>
+          <p:nvPr>
+            <p:ph type="sldNum" sz="quarter" idx="5"/>
+          </p:nvPr>
+        </p:nvSpPr>
+        <p:spPr>
+          <a:xfrm>
+            <a:off x="3884613" y="8685213"/>
+            <a:ext cx="2971800" cy="458787"/>
+          </a:xfrm>
+          <a:prstGeom prst="rect">
+            <a:avLst/>
+          </a:prstGeom>
+        </p:spPr>
+        <p:txBody>
+          <a:bodyPr vert="horz" lIns="91440" tIns="45720" rIns="91440" bIns="45720" rtlCol="0" anchor="b"/>
+          <a:lstStyle>
+            <a:lvl1pPr algn="r">
+              <a:defRPr sz="1200"/>
+            </a:lvl1pPr>
+          </a:lstStyle>
+          <a:p>
+            <a:fld id="{7F220BD6-92CC-4D51-9262-C85C9EA9CEAF}" type="slidenum">
+              <a:rPr kumimoji="1" lang="ja-JP" altLang="en-US" smtClean="0"/>
+              <a:t>‹#›</a:t>
+            </a:fld>
+            <a:endParaRPr kumimoji="1" lang="ja-JP" altLang="en-US"/>
+          </a:p>
+        </p:txBody>
+      </p:sp>
+    </p:spTree>
+    <p:extLst>
+      <p:ext uri="{BB962C8B-B14F-4D97-AF65-F5344CB8AC3E}">
+        <p14:creationId xmlns:p14="http://schemas.microsoft.com/office/powerpoint/2010/main" val="180445756"/>
+      </p:ext>
+    </p:extLst>
+  </p:cSld>
+  <p:clrMap bg1="lt1" tx1="dk1" bg2="lt2" tx2="dk2" accent1="accent1" accent2="accent2" accent3="accent3" accent4="accent4" accent5="accent5" accent6="accent6" hlink="hlink" folHlink="folHlink"/>
+  <p:notesStyle>
+    <a:lvl1pPr marL="0" algn="l" defTabSz="914400" rtl="0" eaLnBrk="1" latinLnBrk="0" hangingPunct="1">
+      <a:defRPr kumimoji="1" sz="1200" kern="1200">
+        <a:solidFill>
+          <a:schemeClr val="tx1"/>
+        </a:solidFill>
+        <a:latin typeface="+mn-lt"/>
+        <a:ea typeface="+mn-ea"/>
+        <a:cs typeface="+mn-cs"/>
+      </a:defRPr>
+    </a:lvl1pPr>
+    <a:lvl2pPr marL="457200" algn="l" defTabSz="914400" rtl="0" eaLnBrk="1" latinLnBrk="0" hangingPunct="1">
+      <a:defRPr kumimoji="1" sz="1200" kern="1200">
+        <a:solidFill>
+          <a:schemeClr val="tx1"/>
+        </a:solidFill>
+        <a:latin typeface="+mn-lt"/>
+        <a:ea typeface="+mn-ea"/>
+        <a:cs typeface="+mn-cs"/>
+      </a:defRPr>
+    </a:lvl2pPr>
+    <a:lvl3pPr marL="914400" algn="l" defTabSz="914400" rtl="0" eaLnBrk="1" latinLnBrk="0" hangingPunct="1">
+      <a:defRPr kumimoji="1" sz="1200" kern="1200">
+        <a:solidFill>
+          <a:schemeClr val="tx1"/>
+        </a:solidFill>
+        <a:latin typeface="+mn-lt"/>
+        <a:ea typeface="+mn-ea"/>
+        <a:cs typeface="+mn-cs"/>
+      </a:defRPr>
+    </a:lvl3pPr>
+    <a:lvl4pPr marL="1371600" algn="l" defTabSz="914400" rtl="0" eaLnBrk="1" latinLnBrk="0" hangingPunct="1">
+      <a:defRPr kumimoji="1" sz="1200" kern="1200">
+        <a:solidFill>
+          <a:schemeClr val="tx1"/>
+        </a:solidFill>
+        <a:latin typeface="+mn-lt"/>
+        <a:ea typeface="+mn-ea"/>
+        <a:cs typeface="+mn-cs"/>
+      </a:defRPr>
+    </a:lvl4pPr>
+    <a:lvl5pPr marL="1828800" algn="l" defTabSz="914400" rtl="0" eaLnBrk="1" latinLnBrk="0" hangingPunct="1">
+      <a:defRPr kumimoji="1" sz="1200" kern="1200">
+        <a:solidFill>
+          <a:schemeClr val="tx1"/>
+        </a:solidFill>
+        <a:latin typeface="+mn-lt"/>
+        <a:ea typeface="+mn-ea"/>
+        <a:cs typeface="+mn-cs"/>
+      </a:defRPr>
+    </a:lvl5pPr>
+    <a:lvl6pPr marL="2286000" algn="l" defTabSz="914400" rtl="0" eaLnBrk="1" latinLnBrk="0" hangingPunct="1">
+      <a:defRPr kumimoji="1" sz="1200" kern="1200">
+        <a:solidFill>
+          <a:schemeClr val="tx1"/>
+        </a:solidFill>
+        <a:latin typeface="+mn-lt"/>
+        <a:ea typeface="+mn-ea"/>
+        <a:cs typeface="+mn-cs"/>
+      </a:defRPr>
+    </a:lvl6pPr>
+    <a:lvl7pPr marL="2743200" algn="l" defTabSz="914400" rtl="0" eaLnBrk="1" latinLnBrk="0" hangingPunct="1">
+      <a:defRPr kumimoji="1" sz="1200" kern="1200">
+        <a:solidFill>
+          <a:schemeClr val="tx1"/>
+        </a:solidFill>
+        <a:latin typeface="+mn-lt"/>
+        <a:ea typeface="+mn-ea"/>
+        <a:cs typeface="+mn-cs"/>
+      </a:defRPr>
+    </a:lvl7pPr>
+    <a:lvl8pPr marL="3200400" algn="l" defTabSz="914400" rtl="0" eaLnBrk="1" latinLnBrk="0" hangingPunct="1">
+      <a:defRPr kumimoji="1" sz="1200" kern="1200">
+        <a:solidFill>
+          <a:schemeClr val="tx1"/>
+        </a:solidFill>
+        <a:latin typeface="+mn-lt"/>
+        <a:ea typeface="+mn-ea"/>
+        <a:cs typeface="+mn-cs"/>
+      </a:defRPr>
+    </a:lvl8pPr>
+    <a:lvl9pPr marL="3657600" algn="l" defTabSz="914400" rtl="0" eaLnBrk="1" latinLnBrk="0" hangingPunct="1">
+      <a:defRPr kumimoji="1" sz="1200" kern="1200">
+        <a:solidFill>
+          <a:schemeClr val="tx1"/>
+        </a:solidFill>
+        <a:latin typeface="+mn-lt"/>
+        <a:ea typeface="+mn-ea"/>
+        <a:cs typeface="+mn-cs"/>
+      </a:defRPr>
+    </a:lvl9pPr>
+  </p:notesStyle>
+</p:notesMaster>
+</file>
+
+<file path=ppt/notesSlides/notesSlide1.xml><?xml version="1.0" encoding="utf-8"?>
+<p:notes xmlns:a="http://schemas.openxmlformats.org/drawingml/2006/main" xmlns:r="http://schemas.openxmlformats.org/officeDocument/2006/relationships" xmlns:p="http://schemas.openxmlformats.org/presentationml/2006/main">
+  <p:cSld>
+    <p:spTree>
+      <p:nvGrpSpPr>
+        <p:cNvPr id="1" name=""/>
+        <p:cNvGrpSpPr/>
+        <p:nvPr/>
+      </p:nvGrpSpPr>
+      <p:grpSpPr>
+        <a:xfrm>
+          <a:off x="0" y="0"/>
+          <a:ext cx="0" cy="0"/>
+          <a:chOff x="0" y="0"/>
+          <a:chExt cx="0" cy="0"/>
+        </a:xfrm>
+      </p:grpSpPr>
+      <p:sp>
+        <p:nvSpPr>
+          <p:cNvPr id="2" name="スライド イメージ プレースホルダー 1"/>
+          <p:cNvSpPr>
+            <a:spLocks noGrp="1" noRot="1" noChangeAspect="1"/>
+          </p:cNvSpPr>
+          <p:nvPr>
+            <p:ph type="sldImg"/>
+          </p:nvPr>
+        </p:nvSpPr>
+        <p:spPr/>
+      </p:sp>
+      <p:sp>
+        <p:nvSpPr>
+          <p:cNvPr id="3" name="ノート プレースホルダー 2"/>
+          <p:cNvSpPr>
+            <a:spLocks noGrp="1"/>
+          </p:cNvSpPr>
+          <p:nvPr>
+            <p:ph type="body" idx="1"/>
+          </p:nvPr>
+        </p:nvSpPr>
+        <p:spPr/>
+        <p:txBody>
+          <a:bodyPr/>
+          <a:lstStyle/>
+          <a:p>
+            <a:r>
+              <a:rPr kumimoji="1" lang="ja-JP" altLang="en-US" dirty="0" smtClean="0"/>
+              <a:t>キャラクターはリモちゃん（単体）</a:t>
+            </a:r>
+            <a:endParaRPr kumimoji="1" lang="en-US" altLang="ja-JP" dirty="0" smtClean="0"/>
+          </a:p>
+          <a:p>
+            <a:endParaRPr kumimoji="1" lang="en-US" altLang="ja-JP" dirty="0" smtClean="0"/>
+          </a:p>
+          <a:p>
+            <a:r>
+              <a:rPr kumimoji="1" lang="ja-JP" altLang="en-US" dirty="0" smtClean="0"/>
+              <a:t>一番伝えてもらいたいことは、人を手助けするキャラクターであることです。</a:t>
+            </a:r>
+            <a:endParaRPr kumimoji="1" lang="en-US" altLang="ja-JP" dirty="0" smtClean="0"/>
+          </a:p>
+          <a:p>
+            <a:r>
+              <a:rPr kumimoji="1" lang="ja-JP" altLang="en-US" dirty="0" smtClean="0"/>
+              <a:t>次のページでどうやって手助けをするかを書いてあります。</a:t>
+            </a:r>
+            <a:endParaRPr kumimoji="1" lang="en-US" altLang="ja-JP" dirty="0" smtClean="0"/>
+          </a:p>
+          <a:p>
+            <a:endParaRPr kumimoji="1" lang="en-US" altLang="ja-JP" dirty="0" smtClean="0"/>
+          </a:p>
+          <a:p>
+            <a:r>
+              <a:rPr kumimoji="1" lang="ja-JP" altLang="en-US" dirty="0" smtClean="0"/>
+              <a:t>電脳世界の説明はいりません。</a:t>
+            </a:r>
+            <a:endParaRPr kumimoji="1" lang="en-US" altLang="ja-JP" dirty="0" smtClean="0"/>
+          </a:p>
+          <a:p>
+            <a:endParaRPr kumimoji="1" lang="en-US" altLang="ja-JP" dirty="0" smtClean="0"/>
+          </a:p>
+          <a:p>
+            <a:r>
+              <a:rPr kumimoji="1" lang="ja-JP" altLang="en-US" dirty="0" smtClean="0"/>
+              <a:t>意思の部分は消すかもしれないのであしからず</a:t>
+            </a:r>
+            <a:r>
+              <a:rPr kumimoji="1" lang="en-US" altLang="ja-JP" dirty="0" smtClean="0"/>
+              <a:t>…</a:t>
+            </a:r>
+          </a:p>
+          <a:p>
+            <a:endParaRPr kumimoji="1" lang="en-US" altLang="ja-JP" dirty="0" smtClean="0"/>
+          </a:p>
+          <a:p>
+            <a:endParaRPr kumimoji="1" lang="en-US" altLang="ja-JP" dirty="0" smtClean="0"/>
+          </a:p>
+          <a:p>
+            <a:endParaRPr kumimoji="1" lang="ja-JP" altLang="en-US" dirty="0"/>
+          </a:p>
+        </p:txBody>
+      </p:sp>
+      <p:sp>
+        <p:nvSpPr>
+          <p:cNvPr id="4" name="スライド番号プレースホルダー 3"/>
+          <p:cNvSpPr>
+            <a:spLocks noGrp="1"/>
+          </p:cNvSpPr>
+          <p:nvPr>
+            <p:ph type="sldNum" sz="quarter" idx="10"/>
+          </p:nvPr>
+        </p:nvSpPr>
+        <p:spPr/>
+        <p:txBody>
+          <a:bodyPr/>
+          <a:lstStyle/>
+          <a:p>
+            <a:fld id="{7F220BD6-92CC-4D51-9262-C85C9EA9CEAF}" type="slidenum">
+              <a:rPr kumimoji="1" lang="ja-JP" altLang="en-US" smtClean="0"/>
+              <a:t>3</a:t>
+            </a:fld>
+            <a:endParaRPr kumimoji="1" lang="ja-JP" altLang="en-US"/>
+          </a:p>
+        </p:txBody>
+      </p:sp>
+    </p:spTree>
+    <p:extLst>
+      <p:ext uri="{BB962C8B-B14F-4D97-AF65-F5344CB8AC3E}">
+        <p14:creationId xmlns:p14="http://schemas.microsoft.com/office/powerpoint/2010/main" val="558889931"/>
+      </p:ext>
+    </p:extLst>
+  </p:cSld>
+  <p:clrMapOvr>
+    <a:masterClrMapping/>
+  </p:clrMapOvr>
+</p:notes>
+</file>
+
+<file path=ppt/notesSlides/notesSlide10.xml><?xml version="1.0" encoding="utf-8"?>
+<p:notes xmlns:a="http://schemas.openxmlformats.org/drawingml/2006/main" xmlns:r="http://schemas.openxmlformats.org/officeDocument/2006/relationships" xmlns:p="http://schemas.openxmlformats.org/presentationml/2006/main">
+  <p:cSld>
+    <p:spTree>
+      <p:nvGrpSpPr>
+        <p:cNvPr id="1" name=""/>
+        <p:cNvGrpSpPr/>
+        <p:nvPr/>
+      </p:nvGrpSpPr>
+      <p:grpSpPr>
+        <a:xfrm>
+          <a:off x="0" y="0"/>
+          <a:ext cx="0" cy="0"/>
+          <a:chOff x="0" y="0"/>
+          <a:chExt cx="0" cy="0"/>
+        </a:xfrm>
+      </p:grpSpPr>
+      <p:sp>
+        <p:nvSpPr>
+          <p:cNvPr id="2" name="スライド イメージ プレースホルダー 1"/>
+          <p:cNvSpPr>
+            <a:spLocks noGrp="1" noRot="1" noChangeAspect="1"/>
+          </p:cNvSpPr>
+          <p:nvPr>
+            <p:ph type="sldImg"/>
+          </p:nvPr>
+        </p:nvSpPr>
+        <p:spPr/>
+      </p:sp>
+      <p:sp>
+        <p:nvSpPr>
+          <p:cNvPr id="3" name="ノート プレースホルダー 2"/>
+          <p:cNvSpPr>
+            <a:spLocks noGrp="1"/>
+          </p:cNvSpPr>
+          <p:nvPr>
+            <p:ph type="body" idx="1"/>
+          </p:nvPr>
+        </p:nvSpPr>
+        <p:spPr/>
+        <p:txBody>
+          <a:bodyPr/>
+          <a:lstStyle/>
+          <a:p>
+            <a:r>
+              <a:rPr kumimoji="1" lang="ja-JP" altLang="en-US" dirty="0" smtClean="0"/>
+              <a:t>僕たちが考えたのはこのキャラクターです。</a:t>
+            </a:r>
+            <a:endParaRPr kumimoji="1" lang="en-US" altLang="ja-JP" dirty="0" smtClean="0"/>
+          </a:p>
+          <a:p>
+            <a:r>
+              <a:rPr kumimoji="1" lang="ja-JP" altLang="en-US" dirty="0" smtClean="0"/>
+              <a:t>このキャラクターはこんなキャラクターでこんなことをします。</a:t>
+            </a:r>
+            <a:endParaRPr kumimoji="1" lang="en-US" altLang="ja-JP" dirty="0" smtClean="0"/>
+          </a:p>
+          <a:p>
+            <a:r>
+              <a:rPr kumimoji="1" lang="ja-JP" altLang="en-US" dirty="0" smtClean="0"/>
+              <a:t>今回はこのキャラクターをあのキャラクターと組み合わせてゲームにしてみました。</a:t>
+            </a:r>
+            <a:endParaRPr kumimoji="1" lang="en-US" altLang="ja-JP" dirty="0" smtClean="0"/>
+          </a:p>
+          <a:p>
+            <a:r>
+              <a:rPr kumimoji="1" lang="ja-JP" altLang="en-US" dirty="0" smtClean="0"/>
+              <a:t>どんなゲームかというと、いとことでいうとこんなゲームです。</a:t>
+            </a:r>
+            <a:endParaRPr kumimoji="1" lang="en-US" altLang="ja-JP" dirty="0" smtClean="0"/>
+          </a:p>
+          <a:p>
+            <a:r>
+              <a:rPr kumimoji="1" lang="ja-JP" altLang="en-US" dirty="0" smtClean="0"/>
+              <a:t>こんな感じのゲーム画面で、こんなルールのゲームです。</a:t>
+            </a:r>
+            <a:endParaRPr kumimoji="1" lang="en-US" altLang="ja-JP" dirty="0" smtClean="0"/>
+          </a:p>
+          <a:p>
+            <a:r>
+              <a:rPr kumimoji="1" lang="ja-JP" altLang="en-US" dirty="0" smtClean="0"/>
+              <a:t>あのキャラクターは、ここで使われていて、</a:t>
+            </a:r>
+            <a:endParaRPr kumimoji="1" lang="en-US" altLang="ja-JP" dirty="0" smtClean="0"/>
+          </a:p>
+          <a:p>
+            <a:r>
+              <a:rPr kumimoji="1" lang="ja-JP" altLang="en-US" dirty="0" smtClean="0"/>
+              <a:t>このゲームは、こんな体験をすることが出来ます。</a:t>
+            </a:r>
+            <a:endParaRPr kumimoji="1" lang="ja-JP" altLang="en-US" dirty="0"/>
+          </a:p>
+        </p:txBody>
+      </p:sp>
+      <p:sp>
+        <p:nvSpPr>
+          <p:cNvPr id="4" name="スライド番号プレースホルダー 3"/>
+          <p:cNvSpPr>
+            <a:spLocks noGrp="1"/>
+          </p:cNvSpPr>
+          <p:nvPr>
+            <p:ph type="sldNum" sz="quarter" idx="10"/>
+          </p:nvPr>
+        </p:nvSpPr>
+        <p:spPr/>
+        <p:txBody>
+          <a:bodyPr/>
+          <a:lstStyle/>
+          <a:p>
+            <a:fld id="{7F220BD6-92CC-4D51-9262-C85C9EA9CEAF}" type="slidenum">
+              <a:rPr kumimoji="1" lang="ja-JP" altLang="en-US" smtClean="0"/>
+              <a:t>13</a:t>
+            </a:fld>
+            <a:endParaRPr kumimoji="1" lang="ja-JP" altLang="en-US"/>
+          </a:p>
+        </p:txBody>
+      </p:sp>
+    </p:spTree>
+    <p:extLst>
+      <p:ext uri="{BB962C8B-B14F-4D97-AF65-F5344CB8AC3E}">
+        <p14:creationId xmlns:p14="http://schemas.microsoft.com/office/powerpoint/2010/main" val="2141441802"/>
+      </p:ext>
+    </p:extLst>
+  </p:cSld>
+  <p:clrMapOvr>
+    <a:masterClrMapping/>
+  </p:clrMapOvr>
+</p:notes>
+</file>
+
+<file path=ppt/notesSlides/notesSlide2.xml><?xml version="1.0" encoding="utf-8"?>
+<p:notes xmlns:a="http://schemas.openxmlformats.org/drawingml/2006/main" xmlns:r="http://schemas.openxmlformats.org/officeDocument/2006/relationships" xmlns:p="http://schemas.openxmlformats.org/presentationml/2006/main">
+  <p:cSld>
+    <p:spTree>
+      <p:nvGrpSpPr>
+        <p:cNvPr id="1" name=""/>
+        <p:cNvGrpSpPr/>
+        <p:nvPr/>
+      </p:nvGrpSpPr>
+      <p:grpSpPr>
+        <a:xfrm>
+          <a:off x="0" y="0"/>
+          <a:ext cx="0" cy="0"/>
+          <a:chOff x="0" y="0"/>
+          <a:chExt cx="0" cy="0"/>
+        </a:xfrm>
+      </p:grpSpPr>
+      <p:sp>
+        <p:nvSpPr>
+          <p:cNvPr id="2" name="スライド イメージ プレースホルダー 1"/>
+          <p:cNvSpPr>
+            <a:spLocks noGrp="1" noRot="1" noChangeAspect="1"/>
+          </p:cNvSpPr>
+          <p:nvPr>
+            <p:ph type="sldImg"/>
+          </p:nvPr>
+        </p:nvSpPr>
+        <p:spPr/>
+      </p:sp>
+      <p:sp>
+        <p:nvSpPr>
+          <p:cNvPr id="3" name="ノート プレースホルダー 2"/>
+          <p:cNvSpPr>
+            <a:spLocks noGrp="1"/>
+          </p:cNvSpPr>
+          <p:nvPr>
+            <p:ph type="body" idx="1"/>
+          </p:nvPr>
+        </p:nvSpPr>
+        <p:spPr/>
+        <p:txBody>
+          <a:bodyPr/>
+          <a:lstStyle/>
+          <a:p>
+            <a:r>
+              <a:rPr kumimoji="1" lang="ja-JP" altLang="en-US" dirty="0" smtClean="0"/>
+              <a:t>変形して人々を手助けしているということを伝えてください。</a:t>
+            </a:r>
+            <a:endParaRPr kumimoji="1" lang="en-US" altLang="ja-JP" dirty="0" smtClean="0"/>
+          </a:p>
+          <a:p>
+            <a:endParaRPr kumimoji="1" lang="en-US" altLang="ja-JP" dirty="0" smtClean="0"/>
+          </a:p>
+          <a:p>
+            <a:r>
+              <a:rPr kumimoji="1" lang="ja-JP" altLang="en-US" dirty="0" smtClean="0"/>
+              <a:t>ヘルメットになって頭を守ったり、乗り物になって代わりに移動をしてあげたり</a:t>
+            </a:r>
+            <a:r>
+              <a:rPr kumimoji="1" lang="en-US" altLang="ja-JP" dirty="0" smtClean="0"/>
+              <a:t>…</a:t>
+            </a:r>
+            <a:r>
+              <a:rPr kumimoji="1" lang="en-US" altLang="ja-JP" dirty="0" err="1" smtClean="0"/>
+              <a:t>etc</a:t>
+            </a:r>
+            <a:endParaRPr kumimoji="1" lang="ja-JP" altLang="en-US" dirty="0"/>
+          </a:p>
+        </p:txBody>
+      </p:sp>
+      <p:sp>
+        <p:nvSpPr>
+          <p:cNvPr id="4" name="スライド番号プレースホルダー 3"/>
+          <p:cNvSpPr>
+            <a:spLocks noGrp="1"/>
+          </p:cNvSpPr>
+          <p:nvPr>
+            <p:ph type="sldNum" sz="quarter" idx="10"/>
+          </p:nvPr>
+        </p:nvSpPr>
+        <p:spPr/>
+        <p:txBody>
+          <a:bodyPr/>
+          <a:lstStyle/>
+          <a:p>
+            <a:fld id="{7F220BD6-92CC-4D51-9262-C85C9EA9CEAF}" type="slidenum">
+              <a:rPr kumimoji="1" lang="ja-JP" altLang="en-US" smtClean="0"/>
+              <a:t>4</a:t>
+            </a:fld>
+            <a:endParaRPr kumimoji="1" lang="ja-JP" altLang="en-US"/>
+          </a:p>
+        </p:txBody>
+      </p:sp>
+    </p:spTree>
+    <p:extLst>
+      <p:ext uri="{BB962C8B-B14F-4D97-AF65-F5344CB8AC3E}">
+        <p14:creationId xmlns:p14="http://schemas.microsoft.com/office/powerpoint/2010/main" val="2854254640"/>
+      </p:ext>
+    </p:extLst>
+  </p:cSld>
+  <p:clrMapOvr>
+    <a:masterClrMapping/>
+  </p:clrMapOvr>
+</p:notes>
+</file>
+
+<file path=ppt/notesSlides/notesSlide3.xml><?xml version="1.0" encoding="utf-8"?>
+<p:notes xmlns:a="http://schemas.openxmlformats.org/drawingml/2006/main" xmlns:r="http://schemas.openxmlformats.org/officeDocument/2006/relationships" xmlns:p="http://schemas.openxmlformats.org/presentationml/2006/main">
+  <p:cSld>
+    <p:spTree>
+      <p:nvGrpSpPr>
+        <p:cNvPr id="1" name=""/>
+        <p:cNvGrpSpPr/>
+        <p:nvPr/>
+      </p:nvGrpSpPr>
+      <p:grpSpPr>
+        <a:xfrm>
+          <a:off x="0" y="0"/>
+          <a:ext cx="0" cy="0"/>
+          <a:chOff x="0" y="0"/>
+          <a:chExt cx="0" cy="0"/>
+        </a:xfrm>
+      </p:grpSpPr>
+      <p:sp>
+        <p:nvSpPr>
+          <p:cNvPr id="2" name="スライド イメージ プレースホルダー 1"/>
+          <p:cNvSpPr>
+            <a:spLocks noGrp="1" noRot="1" noChangeAspect="1"/>
+          </p:cNvSpPr>
+          <p:nvPr>
+            <p:ph type="sldImg"/>
+          </p:nvPr>
+        </p:nvSpPr>
+        <p:spPr/>
+      </p:sp>
+      <p:sp>
+        <p:nvSpPr>
+          <p:cNvPr id="3" name="ノート プレースホルダー 2"/>
+          <p:cNvSpPr>
+            <a:spLocks noGrp="1"/>
+          </p:cNvSpPr>
+          <p:nvPr>
+            <p:ph type="body" idx="1"/>
+          </p:nvPr>
+        </p:nvSpPr>
+        <p:spPr/>
+        <p:txBody>
+          <a:bodyPr/>
+          <a:lstStyle/>
+          <a:p>
+            <a:r>
+              <a:rPr kumimoji="1" lang="ja-JP" altLang="en-US" dirty="0" smtClean="0"/>
+              <a:t>ここのページは、沢山のもの（人との）コラボレーションのしやすさによる、汎用性と</a:t>
+            </a:r>
+            <a:r>
+              <a:rPr kumimoji="1" lang="en-US" altLang="ja-JP" dirty="0" smtClean="0"/>
+              <a:t>IP</a:t>
+            </a:r>
+            <a:r>
+              <a:rPr kumimoji="1" lang="ja-JP" altLang="en-US" dirty="0" smtClean="0"/>
+              <a:t>としての使いやすさをアピール</a:t>
+            </a:r>
+            <a:r>
+              <a:rPr kumimoji="1" lang="en-US" altLang="ja-JP" dirty="0" smtClean="0"/>
+              <a:t>!!!</a:t>
+            </a:r>
+            <a:r>
+              <a:rPr kumimoji="1" lang="ja-JP" altLang="en-US" dirty="0" err="1" smtClean="0"/>
+              <a:t>。</a:t>
+            </a:r>
+            <a:endParaRPr kumimoji="1" lang="ja-JP" altLang="en-US" dirty="0"/>
+          </a:p>
+        </p:txBody>
+      </p:sp>
+      <p:sp>
+        <p:nvSpPr>
+          <p:cNvPr id="4" name="スライド番号プレースホルダー 3"/>
+          <p:cNvSpPr>
+            <a:spLocks noGrp="1"/>
+          </p:cNvSpPr>
+          <p:nvPr>
+            <p:ph type="sldNum" sz="quarter" idx="10"/>
+          </p:nvPr>
+        </p:nvSpPr>
+        <p:spPr/>
+        <p:txBody>
+          <a:bodyPr/>
+          <a:lstStyle/>
+          <a:p>
+            <a:fld id="{7F220BD6-92CC-4D51-9262-C85C9EA9CEAF}" type="slidenum">
+              <a:rPr kumimoji="1" lang="ja-JP" altLang="en-US" smtClean="0"/>
+              <a:t>5</a:t>
+            </a:fld>
+            <a:endParaRPr kumimoji="1" lang="ja-JP" altLang="en-US"/>
+          </a:p>
+        </p:txBody>
+      </p:sp>
+    </p:spTree>
+    <p:extLst>
+      <p:ext uri="{BB962C8B-B14F-4D97-AF65-F5344CB8AC3E}">
+        <p14:creationId xmlns:p14="http://schemas.microsoft.com/office/powerpoint/2010/main" val="3951043107"/>
+      </p:ext>
+    </p:extLst>
+  </p:cSld>
+  <p:clrMapOvr>
+    <a:masterClrMapping/>
+  </p:clrMapOvr>
+</p:notes>
+</file>
+
+<file path=ppt/notesSlides/notesSlide4.xml><?xml version="1.0" encoding="utf-8"?>
+<p:notes xmlns:a="http://schemas.openxmlformats.org/drawingml/2006/main" xmlns:r="http://schemas.openxmlformats.org/officeDocument/2006/relationships" xmlns:p="http://schemas.openxmlformats.org/presentationml/2006/main">
+  <p:cSld>
+    <p:spTree>
+      <p:nvGrpSpPr>
+        <p:cNvPr id="1" name=""/>
+        <p:cNvGrpSpPr/>
+        <p:nvPr/>
+      </p:nvGrpSpPr>
+      <p:grpSpPr>
+        <a:xfrm>
+          <a:off x="0" y="0"/>
+          <a:ext cx="0" cy="0"/>
+          <a:chOff x="0" y="0"/>
+          <a:chExt cx="0" cy="0"/>
+        </a:xfrm>
+      </p:grpSpPr>
+      <p:sp>
+        <p:nvSpPr>
+          <p:cNvPr id="2" name="スライド イメージ プレースホルダー 1"/>
+          <p:cNvSpPr>
+            <a:spLocks noGrp="1" noRot="1" noChangeAspect="1"/>
+          </p:cNvSpPr>
+          <p:nvPr>
+            <p:ph type="sldImg"/>
+          </p:nvPr>
+        </p:nvSpPr>
+        <p:spPr/>
+      </p:sp>
+      <p:sp>
+        <p:nvSpPr>
+          <p:cNvPr id="3" name="ノート プレースホルダー 2"/>
+          <p:cNvSpPr>
+            <a:spLocks noGrp="1"/>
+          </p:cNvSpPr>
+          <p:nvPr>
+            <p:ph type="body" idx="1"/>
+          </p:nvPr>
+        </p:nvSpPr>
+        <p:spPr/>
+        <p:txBody>
+          <a:bodyPr/>
+          <a:lstStyle/>
+          <a:p>
+            <a:r>
+              <a:rPr kumimoji="1" lang="ja-JP" altLang="en-US" smtClean="0"/>
+              <a:t>トレジャーハンターとリモちゃんということです。</a:t>
+            </a:r>
+            <a:endParaRPr kumimoji="1" lang="en-US" altLang="ja-JP" dirty="0" smtClean="0"/>
+          </a:p>
+          <a:p>
+            <a:r>
+              <a:rPr kumimoji="1" lang="ja-JP" altLang="en-US" dirty="0" smtClean="0"/>
+              <a:t>トレジャーハンターがお宝を集めるのにリモちゃんを使っている。という設定。</a:t>
+            </a:r>
+            <a:endParaRPr kumimoji="1" lang="en-US" altLang="ja-JP" dirty="0" smtClean="0"/>
+          </a:p>
+          <a:p>
+            <a:r>
+              <a:rPr kumimoji="1" lang="ja-JP" altLang="en-US" dirty="0" smtClean="0"/>
+              <a:t>あくまで、お宝が欲しいのはトレジャーハンターであり、リモちゃんではない～？</a:t>
+            </a:r>
+            <a:endParaRPr kumimoji="1" lang="ja-JP" altLang="en-US" dirty="0"/>
+          </a:p>
+        </p:txBody>
+      </p:sp>
+      <p:sp>
+        <p:nvSpPr>
+          <p:cNvPr id="4" name="スライド番号プレースホルダー 3"/>
+          <p:cNvSpPr>
+            <a:spLocks noGrp="1"/>
+          </p:cNvSpPr>
+          <p:nvPr>
+            <p:ph type="sldNum" sz="quarter" idx="10"/>
+          </p:nvPr>
+        </p:nvSpPr>
+        <p:spPr/>
+        <p:txBody>
+          <a:bodyPr/>
+          <a:lstStyle/>
+          <a:p>
+            <a:fld id="{7F220BD6-92CC-4D51-9262-C85C9EA9CEAF}" type="slidenum">
+              <a:rPr kumimoji="1" lang="ja-JP" altLang="en-US" smtClean="0"/>
+              <a:t>7</a:t>
+            </a:fld>
+            <a:endParaRPr kumimoji="1" lang="ja-JP" altLang="en-US"/>
+          </a:p>
+        </p:txBody>
+      </p:sp>
+    </p:spTree>
+    <p:extLst>
+      <p:ext uri="{BB962C8B-B14F-4D97-AF65-F5344CB8AC3E}">
+        <p14:creationId xmlns:p14="http://schemas.microsoft.com/office/powerpoint/2010/main" val="2547308896"/>
+      </p:ext>
+    </p:extLst>
+  </p:cSld>
+  <p:clrMapOvr>
+    <a:masterClrMapping/>
+  </p:clrMapOvr>
+</p:notes>
+</file>
+
+<file path=ppt/notesSlides/notesSlide5.xml><?xml version="1.0" encoding="utf-8"?>
+<p:notes xmlns:a="http://schemas.openxmlformats.org/drawingml/2006/main" xmlns:r="http://schemas.openxmlformats.org/officeDocument/2006/relationships" xmlns:p="http://schemas.openxmlformats.org/presentationml/2006/main">
+  <p:cSld>
+    <p:spTree>
+      <p:nvGrpSpPr>
+        <p:cNvPr id="1" name=""/>
+        <p:cNvGrpSpPr/>
+        <p:nvPr/>
+      </p:nvGrpSpPr>
+      <p:grpSpPr>
+        <a:xfrm>
+          <a:off x="0" y="0"/>
+          <a:ext cx="0" cy="0"/>
+          <a:chOff x="0" y="0"/>
+          <a:chExt cx="0" cy="0"/>
+        </a:xfrm>
+      </p:grpSpPr>
+      <p:sp>
+        <p:nvSpPr>
+          <p:cNvPr id="2" name="スライド イメージ プレースホルダー 1"/>
+          <p:cNvSpPr>
+            <a:spLocks noGrp="1" noRot="1" noChangeAspect="1"/>
+          </p:cNvSpPr>
+          <p:nvPr>
+            <p:ph type="sldImg"/>
+          </p:nvPr>
+        </p:nvSpPr>
+        <p:spPr/>
+      </p:sp>
+      <p:sp>
+        <p:nvSpPr>
+          <p:cNvPr id="3" name="ノート プレースホルダー 2"/>
+          <p:cNvSpPr>
+            <a:spLocks noGrp="1"/>
+          </p:cNvSpPr>
+          <p:nvPr>
+            <p:ph type="body" idx="1"/>
+          </p:nvPr>
+        </p:nvSpPr>
+        <p:spPr/>
+        <p:txBody>
+          <a:bodyPr/>
+          <a:lstStyle/>
+          <a:p>
+            <a:r>
+              <a:rPr kumimoji="1" lang="ja-JP" altLang="en-US" dirty="0" smtClean="0"/>
+              <a:t>宝探しといえども、アドベンチャーゲームではなく、対戦ゲームであることを伝える。</a:t>
+            </a:r>
+            <a:endParaRPr kumimoji="1" lang="en-US" altLang="ja-JP" dirty="0" smtClean="0"/>
+          </a:p>
+          <a:p>
+            <a:endParaRPr kumimoji="1" lang="en-US" altLang="ja-JP" dirty="0" smtClean="0"/>
+          </a:p>
+          <a:p>
+            <a:endParaRPr kumimoji="1" lang="en-US" altLang="ja-JP" dirty="0" smtClean="0"/>
+          </a:p>
+        </p:txBody>
+      </p:sp>
+      <p:sp>
+        <p:nvSpPr>
+          <p:cNvPr id="4" name="スライド番号プレースホルダー 3"/>
+          <p:cNvSpPr>
+            <a:spLocks noGrp="1"/>
+          </p:cNvSpPr>
+          <p:nvPr>
+            <p:ph type="sldNum" sz="quarter" idx="10"/>
+          </p:nvPr>
+        </p:nvSpPr>
+        <p:spPr/>
+        <p:txBody>
+          <a:bodyPr/>
+          <a:lstStyle/>
+          <a:p>
+            <a:fld id="{7F220BD6-92CC-4D51-9262-C85C9EA9CEAF}" type="slidenum">
+              <a:rPr kumimoji="1" lang="ja-JP" altLang="en-US" smtClean="0"/>
+              <a:t>8</a:t>
+            </a:fld>
+            <a:endParaRPr kumimoji="1" lang="ja-JP" altLang="en-US"/>
+          </a:p>
+        </p:txBody>
+      </p:sp>
+    </p:spTree>
+    <p:extLst>
+      <p:ext uri="{BB962C8B-B14F-4D97-AF65-F5344CB8AC3E}">
+        <p14:creationId xmlns:p14="http://schemas.microsoft.com/office/powerpoint/2010/main" val="1110776072"/>
+      </p:ext>
+    </p:extLst>
+  </p:cSld>
+  <p:clrMapOvr>
+    <a:masterClrMapping/>
+  </p:clrMapOvr>
+</p:notes>
+</file>
+
+<file path=ppt/notesSlides/notesSlide6.xml><?xml version="1.0" encoding="utf-8"?>
+<p:notes xmlns:a="http://schemas.openxmlformats.org/drawingml/2006/main" xmlns:r="http://schemas.openxmlformats.org/officeDocument/2006/relationships" xmlns:p="http://schemas.openxmlformats.org/presentationml/2006/main">
+  <p:cSld>
+    <p:spTree>
+      <p:nvGrpSpPr>
+        <p:cNvPr id="1" name=""/>
+        <p:cNvGrpSpPr/>
+        <p:nvPr/>
+      </p:nvGrpSpPr>
+      <p:grpSpPr>
+        <a:xfrm>
+          <a:off x="0" y="0"/>
+          <a:ext cx="0" cy="0"/>
+          <a:chOff x="0" y="0"/>
+          <a:chExt cx="0" cy="0"/>
+        </a:xfrm>
+      </p:grpSpPr>
+      <p:sp>
+        <p:nvSpPr>
+          <p:cNvPr id="2" name="スライド イメージ プレースホルダー 1"/>
+          <p:cNvSpPr>
+            <a:spLocks noGrp="1" noRot="1" noChangeAspect="1"/>
+          </p:cNvSpPr>
+          <p:nvPr>
+            <p:ph type="sldImg"/>
+          </p:nvPr>
+        </p:nvSpPr>
+        <p:spPr/>
+      </p:sp>
+      <p:sp>
+        <p:nvSpPr>
+          <p:cNvPr id="3" name="ノート プレースホルダー 2"/>
+          <p:cNvSpPr>
+            <a:spLocks noGrp="1"/>
+          </p:cNvSpPr>
+          <p:nvPr>
+            <p:ph type="body" idx="1"/>
+          </p:nvPr>
+        </p:nvSpPr>
+        <p:spPr/>
+        <p:txBody>
+          <a:bodyPr/>
+          <a:lstStyle/>
+          <a:p>
+            <a:r>
+              <a:rPr kumimoji="1" lang="ja-JP" altLang="en-US" dirty="0" smtClean="0"/>
+              <a:t>最低限、陣地と宝物の場所を見ている人が理解できれば</a:t>
+            </a:r>
+            <a:r>
+              <a:rPr kumimoji="1" lang="en-US" altLang="ja-JP" dirty="0" smtClean="0"/>
+              <a:t>OK</a:t>
+            </a:r>
+            <a:r>
+              <a:rPr kumimoji="1" lang="ja-JP" altLang="en-US" dirty="0" err="1" smtClean="0"/>
+              <a:t>。</a:t>
+            </a:r>
+            <a:endParaRPr kumimoji="1" lang="en-US" altLang="ja-JP" dirty="0" smtClean="0"/>
+          </a:p>
+        </p:txBody>
+      </p:sp>
+      <p:sp>
+        <p:nvSpPr>
+          <p:cNvPr id="4" name="スライド番号プレースホルダー 3"/>
+          <p:cNvSpPr>
+            <a:spLocks noGrp="1"/>
+          </p:cNvSpPr>
+          <p:nvPr>
+            <p:ph type="sldNum" sz="quarter" idx="10"/>
+          </p:nvPr>
+        </p:nvSpPr>
+        <p:spPr/>
+        <p:txBody>
+          <a:bodyPr/>
+          <a:lstStyle/>
+          <a:p>
+            <a:fld id="{7F220BD6-92CC-4D51-9262-C85C9EA9CEAF}" type="slidenum">
+              <a:rPr kumimoji="1" lang="ja-JP" altLang="en-US" smtClean="0"/>
+              <a:t>9</a:t>
+            </a:fld>
+            <a:endParaRPr kumimoji="1" lang="ja-JP" altLang="en-US"/>
+          </a:p>
+        </p:txBody>
+      </p:sp>
+    </p:spTree>
+    <p:extLst>
+      <p:ext uri="{BB962C8B-B14F-4D97-AF65-F5344CB8AC3E}">
+        <p14:creationId xmlns:p14="http://schemas.microsoft.com/office/powerpoint/2010/main" val="3965539280"/>
+      </p:ext>
+    </p:extLst>
+  </p:cSld>
+  <p:clrMapOvr>
+    <a:masterClrMapping/>
+  </p:clrMapOvr>
+</p:notes>
+</file>
+
+<file path=ppt/notesSlides/notesSlide7.xml><?xml version="1.0" encoding="utf-8"?>
+<p:notes xmlns:a="http://schemas.openxmlformats.org/drawingml/2006/main" xmlns:r="http://schemas.openxmlformats.org/officeDocument/2006/relationships" xmlns:p="http://schemas.openxmlformats.org/presentationml/2006/main">
+  <p:cSld>
+    <p:spTree>
+      <p:nvGrpSpPr>
+        <p:cNvPr id="1" name=""/>
+        <p:cNvGrpSpPr/>
+        <p:nvPr/>
+      </p:nvGrpSpPr>
+      <p:grpSpPr>
+        <a:xfrm>
+          <a:off x="0" y="0"/>
+          <a:ext cx="0" cy="0"/>
+          <a:chOff x="0" y="0"/>
+          <a:chExt cx="0" cy="0"/>
+        </a:xfrm>
+      </p:grpSpPr>
+      <p:sp>
+        <p:nvSpPr>
+          <p:cNvPr id="2" name="スライド イメージ プレースホルダー 1"/>
+          <p:cNvSpPr>
+            <a:spLocks noGrp="1" noRot="1" noChangeAspect="1"/>
+          </p:cNvSpPr>
+          <p:nvPr>
+            <p:ph type="sldImg"/>
+          </p:nvPr>
+        </p:nvSpPr>
+        <p:spPr/>
+      </p:sp>
+      <p:sp>
+        <p:nvSpPr>
+          <p:cNvPr id="3" name="ノート プレースホルダー 2"/>
+          <p:cNvSpPr>
+            <a:spLocks noGrp="1"/>
+          </p:cNvSpPr>
+          <p:nvPr>
+            <p:ph type="body" idx="1"/>
+          </p:nvPr>
+        </p:nvSpPr>
+        <p:spPr/>
+        <p:txBody>
+          <a:bodyPr/>
+          <a:lstStyle/>
+          <a:p>
+            <a:r>
+              <a:rPr kumimoji="1" lang="en-US" altLang="ja-JP" dirty="0" smtClean="0"/>
+              <a:t>…</a:t>
+            </a:r>
+            <a:r>
+              <a:rPr kumimoji="1" lang="ja-JP" altLang="en-US" dirty="0" smtClean="0"/>
+              <a:t>何も書くこと</a:t>
+            </a:r>
+            <a:r>
+              <a:rPr kumimoji="1" lang="ja-JP" altLang="en-US" smtClean="0"/>
+              <a:t>がない</a:t>
+            </a:r>
+            <a:endParaRPr kumimoji="1" lang="en-US" altLang="ja-JP" dirty="0" smtClean="0"/>
+          </a:p>
+          <a:p>
+            <a:endParaRPr kumimoji="1" lang="en-US" altLang="ja-JP" dirty="0" smtClean="0"/>
+          </a:p>
+          <a:p>
+            <a:r>
+              <a:rPr kumimoji="1" lang="ja-JP" altLang="en-US" smtClean="0"/>
+              <a:t>なんか書き換えたい</a:t>
+            </a:r>
+            <a:endParaRPr kumimoji="1" lang="ja-JP" altLang="en-US" dirty="0"/>
+          </a:p>
+        </p:txBody>
+      </p:sp>
+      <p:sp>
+        <p:nvSpPr>
+          <p:cNvPr id="4" name="スライド番号プレースホルダー 3"/>
+          <p:cNvSpPr>
+            <a:spLocks noGrp="1"/>
+          </p:cNvSpPr>
+          <p:nvPr>
+            <p:ph type="sldNum" sz="quarter" idx="10"/>
+          </p:nvPr>
+        </p:nvSpPr>
+        <p:spPr/>
+        <p:txBody>
+          <a:bodyPr/>
+          <a:lstStyle/>
+          <a:p>
+            <a:fld id="{7F220BD6-92CC-4D51-9262-C85C9EA9CEAF}" type="slidenum">
+              <a:rPr kumimoji="1" lang="ja-JP" altLang="en-US" smtClean="0"/>
+              <a:t>10</a:t>
+            </a:fld>
+            <a:endParaRPr kumimoji="1" lang="ja-JP" altLang="en-US"/>
+          </a:p>
+        </p:txBody>
+      </p:sp>
+    </p:spTree>
+    <p:extLst>
+      <p:ext uri="{BB962C8B-B14F-4D97-AF65-F5344CB8AC3E}">
+        <p14:creationId xmlns:p14="http://schemas.microsoft.com/office/powerpoint/2010/main" val="3188206473"/>
+      </p:ext>
+    </p:extLst>
+  </p:cSld>
+  <p:clrMapOvr>
+    <a:masterClrMapping/>
+  </p:clrMapOvr>
+</p:notes>
+</file>
+
+<file path=ppt/notesSlides/notesSlide8.xml><?xml version="1.0" encoding="utf-8"?>
+<p:notes xmlns:a="http://schemas.openxmlformats.org/drawingml/2006/main" xmlns:r="http://schemas.openxmlformats.org/officeDocument/2006/relationships" xmlns:p="http://schemas.openxmlformats.org/presentationml/2006/main">
+  <p:cSld>
+    <p:spTree>
+      <p:nvGrpSpPr>
+        <p:cNvPr id="1" name=""/>
+        <p:cNvGrpSpPr/>
+        <p:nvPr/>
+      </p:nvGrpSpPr>
+      <p:grpSpPr>
+        <a:xfrm>
+          <a:off x="0" y="0"/>
+          <a:ext cx="0" cy="0"/>
+          <a:chOff x="0" y="0"/>
+          <a:chExt cx="0" cy="0"/>
+        </a:xfrm>
+      </p:grpSpPr>
+      <p:sp>
+        <p:nvSpPr>
+          <p:cNvPr id="2" name="スライド イメージ プレースホルダー 1"/>
+          <p:cNvSpPr>
+            <a:spLocks noGrp="1" noRot="1" noChangeAspect="1"/>
+          </p:cNvSpPr>
+          <p:nvPr>
+            <p:ph type="sldImg"/>
+          </p:nvPr>
+        </p:nvSpPr>
+        <p:spPr/>
+      </p:sp>
+      <p:sp>
+        <p:nvSpPr>
+          <p:cNvPr id="3" name="ノート プレースホルダー 2"/>
+          <p:cNvSpPr>
+            <a:spLocks noGrp="1"/>
+          </p:cNvSpPr>
+          <p:nvPr>
+            <p:ph type="body" idx="1"/>
+          </p:nvPr>
+        </p:nvSpPr>
+        <p:spPr/>
+        <p:txBody>
+          <a:bodyPr/>
+          <a:lstStyle/>
+          <a:p>
+            <a:r>
+              <a:rPr kumimoji="1" lang="ja-JP" altLang="en-US" dirty="0" smtClean="0"/>
+              <a:t>プレイヤーが出来ることを？？？</a:t>
+            </a:r>
+            <a:endParaRPr kumimoji="1" lang="en-US" altLang="ja-JP" dirty="0" smtClean="0"/>
+          </a:p>
+          <a:p>
+            <a:r>
+              <a:rPr kumimoji="1" lang="ja-JP" altLang="en-US" dirty="0" smtClean="0"/>
+              <a:t>リモちゃんで、変形してトレジャーハンターを手助けします。</a:t>
+            </a:r>
+            <a:endParaRPr kumimoji="1" lang="en-US" altLang="ja-JP" dirty="0" smtClean="0"/>
+          </a:p>
+          <a:p>
+            <a:endParaRPr kumimoji="1" lang="en-US" altLang="ja-JP" dirty="0" smtClean="0"/>
+          </a:p>
+          <a:p>
+            <a:r>
+              <a:rPr kumimoji="1" lang="ja-JP" altLang="en-US" dirty="0" smtClean="0"/>
+              <a:t>リモちゃんがどうやってこのゲームに関係しているかを言えればなおよい！</a:t>
+            </a:r>
+            <a:endParaRPr kumimoji="1" lang="ja-JP" altLang="en-US" dirty="0"/>
+          </a:p>
+        </p:txBody>
+      </p:sp>
+      <p:sp>
+        <p:nvSpPr>
+          <p:cNvPr id="4" name="スライド番号プレースホルダー 3"/>
+          <p:cNvSpPr>
+            <a:spLocks noGrp="1"/>
+          </p:cNvSpPr>
+          <p:nvPr>
+            <p:ph type="sldNum" sz="quarter" idx="10"/>
+          </p:nvPr>
+        </p:nvSpPr>
+        <p:spPr/>
+        <p:txBody>
+          <a:bodyPr/>
+          <a:lstStyle/>
+          <a:p>
+            <a:fld id="{7F220BD6-92CC-4D51-9262-C85C9EA9CEAF}" type="slidenum">
+              <a:rPr kumimoji="1" lang="ja-JP" altLang="en-US" smtClean="0"/>
+              <a:t>11</a:t>
+            </a:fld>
+            <a:endParaRPr kumimoji="1" lang="ja-JP" altLang="en-US"/>
+          </a:p>
+        </p:txBody>
+      </p:sp>
+    </p:spTree>
+    <p:extLst>
+      <p:ext uri="{BB962C8B-B14F-4D97-AF65-F5344CB8AC3E}">
+        <p14:creationId xmlns:p14="http://schemas.microsoft.com/office/powerpoint/2010/main" val="3137325857"/>
+      </p:ext>
+    </p:extLst>
+  </p:cSld>
+  <p:clrMapOvr>
+    <a:masterClrMapping/>
+  </p:clrMapOvr>
+</p:notes>
+</file>
+
+<file path=ppt/notesSlides/notesSlide9.xml><?xml version="1.0" encoding="utf-8"?>
+<p:notes xmlns:a="http://schemas.openxmlformats.org/drawingml/2006/main" xmlns:r="http://schemas.openxmlformats.org/officeDocument/2006/relationships" xmlns:p="http://schemas.openxmlformats.org/presentationml/2006/main">
+  <p:cSld>
+    <p:spTree>
+      <p:nvGrpSpPr>
+        <p:cNvPr id="1" name=""/>
+        <p:cNvGrpSpPr/>
+        <p:nvPr/>
+      </p:nvGrpSpPr>
+      <p:grpSpPr>
+        <a:xfrm>
+          <a:off x="0" y="0"/>
+          <a:ext cx="0" cy="0"/>
+          <a:chOff x="0" y="0"/>
+          <a:chExt cx="0" cy="0"/>
+        </a:xfrm>
+      </p:grpSpPr>
+      <p:sp>
+        <p:nvSpPr>
+          <p:cNvPr id="2" name="スライド イメージ プレースホルダー 1"/>
+          <p:cNvSpPr>
+            <a:spLocks noGrp="1" noRot="1" noChangeAspect="1"/>
+          </p:cNvSpPr>
+          <p:nvPr>
+            <p:ph type="sldImg"/>
+          </p:nvPr>
+        </p:nvSpPr>
+        <p:spPr/>
+      </p:sp>
+      <p:sp>
+        <p:nvSpPr>
+          <p:cNvPr id="3" name="ノート プレースホルダー 2"/>
+          <p:cNvSpPr>
+            <a:spLocks noGrp="1"/>
+          </p:cNvSpPr>
+          <p:nvPr>
+            <p:ph type="body" idx="1"/>
+          </p:nvPr>
+        </p:nvSpPr>
+        <p:spPr/>
+        <p:txBody>
+          <a:bodyPr/>
+          <a:lstStyle/>
+          <a:p>
+            <a:r>
+              <a:rPr kumimoji="1" lang="ja-JP" altLang="en-US" dirty="0" smtClean="0"/>
+              <a:t>一番上</a:t>
+            </a:r>
+            <a:endParaRPr kumimoji="1" lang="en-US" altLang="ja-JP" dirty="0" smtClean="0"/>
+          </a:p>
+          <a:p>
+            <a:r>
+              <a:rPr kumimoji="1" lang="ja-JP" altLang="en-US" dirty="0" smtClean="0"/>
+              <a:t>　アドリブ期待</a:t>
+            </a:r>
+            <a:endParaRPr kumimoji="1" lang="en-US" altLang="ja-JP" dirty="0" smtClean="0"/>
+          </a:p>
+          <a:p>
+            <a:r>
+              <a:rPr kumimoji="1" lang="ja-JP" altLang="en-US" dirty="0" smtClean="0"/>
+              <a:t>　無理そうなら消す</a:t>
+            </a:r>
+            <a:endParaRPr kumimoji="1" lang="en-US" altLang="ja-JP" dirty="0" smtClean="0"/>
+          </a:p>
+          <a:p>
+            <a:endParaRPr kumimoji="1" lang="en-US" altLang="ja-JP" dirty="0" smtClean="0"/>
+          </a:p>
+          <a:p>
+            <a:r>
+              <a:rPr kumimoji="1" lang="ja-JP" altLang="en-US" dirty="0" smtClean="0"/>
+              <a:t>二番目</a:t>
+            </a:r>
+            <a:endParaRPr kumimoji="1" lang="en-US" altLang="ja-JP" dirty="0" smtClean="0"/>
+          </a:p>
+          <a:p>
+            <a:r>
+              <a:rPr kumimoji="1" lang="ja-JP" altLang="en-US" dirty="0" smtClean="0"/>
+              <a:t>　俺は、逃げる</a:t>
+            </a:r>
+            <a:r>
+              <a:rPr kumimoji="1" lang="ja-JP" altLang="en-US" dirty="0" err="1" smtClean="0"/>
+              <a:t>ぜ</a:t>
+            </a:r>
+            <a:r>
+              <a:rPr kumimoji="1" lang="ja-JP" altLang="en-US" dirty="0" smtClean="0"/>
+              <a:t>ヒャッハー</a:t>
+            </a:r>
+            <a:endParaRPr kumimoji="1" lang="en-US" altLang="ja-JP" dirty="0" smtClean="0"/>
+          </a:p>
+          <a:p>
+            <a:r>
+              <a:rPr kumimoji="1" lang="ja-JP" altLang="en-US" dirty="0" smtClean="0"/>
+              <a:t>　道を作る</a:t>
+            </a:r>
+            <a:r>
+              <a:rPr kumimoji="1" lang="ja-JP" altLang="en-US" dirty="0" err="1" smtClean="0"/>
+              <a:t>ぜ</a:t>
+            </a:r>
+            <a:r>
+              <a:rPr kumimoji="1" lang="ja-JP" altLang="en-US" dirty="0" smtClean="0"/>
+              <a:t>ヒャッハー</a:t>
+            </a:r>
+            <a:endParaRPr kumimoji="1" lang="en-US" altLang="ja-JP" dirty="0" smtClean="0"/>
+          </a:p>
+          <a:p>
+            <a:r>
+              <a:rPr kumimoji="1" lang="ja-JP" altLang="en-US" dirty="0" smtClean="0"/>
+              <a:t>　的な様々なプレイスタイルが出来る。</a:t>
+            </a:r>
+            <a:endParaRPr kumimoji="1" lang="en-US" altLang="ja-JP" dirty="0" smtClean="0"/>
+          </a:p>
+          <a:p>
+            <a:endParaRPr kumimoji="1" lang="en-US" altLang="ja-JP" dirty="0" smtClean="0"/>
+          </a:p>
+          <a:p>
+            <a:r>
+              <a:rPr kumimoji="1" lang="ja-JP" altLang="en-US" dirty="0" smtClean="0"/>
+              <a:t>三番目</a:t>
+            </a:r>
+            <a:endParaRPr kumimoji="1" lang="en-US" altLang="ja-JP" dirty="0" smtClean="0"/>
+          </a:p>
+          <a:p>
+            <a:r>
+              <a:rPr kumimoji="1" lang="ja-JP" altLang="en-US" dirty="0" smtClean="0"/>
+              <a:t>　わいわいがやがやわいわいがやがやわいわいがやがやわいわいがやがやわいわいがやがやわいわいがやがやわいわいがやがやわいわいがやがやわいわいがやがやわいわいがやがやわいわいがやがやわいわいがやがやわいわいがやがやわいわいがやがや・・・・・・・・・・・・・・・・・・・・・・・・・・</a:t>
+            </a:r>
+            <a:endParaRPr kumimoji="1" lang="en-US" altLang="ja-JP" dirty="0" smtClean="0"/>
+          </a:p>
+          <a:p>
+            <a:r>
+              <a:rPr kumimoji="1" lang="ja-JP" altLang="en-US" dirty="0" smtClean="0"/>
+              <a:t>　対戦ゲームなのでわいわいがやがや出来ますということ。</a:t>
+            </a:r>
+            <a:endParaRPr kumimoji="1" lang="ja-JP" altLang="en-US" dirty="0"/>
+          </a:p>
+        </p:txBody>
+      </p:sp>
+      <p:sp>
+        <p:nvSpPr>
+          <p:cNvPr id="4" name="スライド番号プレースホルダー 3"/>
+          <p:cNvSpPr>
+            <a:spLocks noGrp="1"/>
+          </p:cNvSpPr>
+          <p:nvPr>
+            <p:ph type="sldNum" sz="quarter" idx="10"/>
+          </p:nvPr>
+        </p:nvSpPr>
+        <p:spPr/>
+        <p:txBody>
+          <a:bodyPr/>
+          <a:lstStyle/>
+          <a:p>
+            <a:fld id="{7F220BD6-92CC-4D51-9262-C85C9EA9CEAF}" type="slidenum">
+              <a:rPr kumimoji="1" lang="ja-JP" altLang="en-US" smtClean="0"/>
+              <a:t>12</a:t>
+            </a:fld>
+            <a:endParaRPr kumimoji="1" lang="ja-JP" altLang="en-US"/>
+          </a:p>
+        </p:txBody>
+      </p:sp>
+    </p:spTree>
+    <p:extLst>
+      <p:ext uri="{BB962C8B-B14F-4D97-AF65-F5344CB8AC3E}">
+        <p14:creationId xmlns:p14="http://schemas.microsoft.com/office/powerpoint/2010/main" val="334686987"/>
+      </p:ext>
+    </p:extLst>
+  </p:cSld>
+  <p:clrMapOvr>
+    <a:masterClrMapping/>
+  </p:clrMapOvr>
+</p:notes>
+</file>
+
 <file path=ppt/slideLayouts/slideLayout1.xml><?xml version="1.0" encoding="utf-8"?>
 <p:sldLayout xmlns:a="http://schemas.openxmlformats.org/drawingml/2006/main" xmlns:r="http://schemas.openxmlformats.org/officeDocument/2006/relationships" xmlns:p="http://schemas.openxmlformats.org/presentationml/2006/main" type="title" preserve="1">
   <p:cSld name="タイトル スライド">
@@ -254,7 +1805,7 @@
           <a:p>
             <a:fld id="{E69596A1-627C-4CF0-BCB9-D41D8A5CB327}" type="datetimeFigureOut">
               <a:rPr kumimoji="1" lang="ja-JP" altLang="en-US" smtClean="0"/>
-              <a:t>2015/6/13</a:t>
+              <a:t>2015/6/16</a:t>
             </a:fld>
             <a:endParaRPr kumimoji="1" lang="ja-JP" altLang="en-US"/>
           </a:p>
@@ -456,7 +2007,7 @@
           <a:p>
             <a:fld id="{E69596A1-627C-4CF0-BCB9-D41D8A5CB327}" type="datetimeFigureOut">
               <a:rPr kumimoji="1" lang="ja-JP" altLang="en-US" smtClean="0"/>
-              <a:t>2015/6/13</a:t>
+              <a:t>2015/6/16</a:t>
             </a:fld>
             <a:endParaRPr kumimoji="1" lang="ja-JP" altLang="en-US"/>
           </a:p>
@@ -668,7 +2219,7 @@
           <a:p>
             <a:fld id="{E69596A1-627C-4CF0-BCB9-D41D8A5CB327}" type="datetimeFigureOut">
               <a:rPr kumimoji="1" lang="ja-JP" altLang="en-US" smtClean="0"/>
-              <a:t>2015/6/13</a:t>
+              <a:t>2015/6/16</a:t>
             </a:fld>
             <a:endParaRPr kumimoji="1" lang="ja-JP" altLang="en-US"/>
           </a:p>
@@ -870,7 +2421,7 @@
           <a:p>
             <a:fld id="{E69596A1-627C-4CF0-BCB9-D41D8A5CB327}" type="datetimeFigureOut">
               <a:rPr kumimoji="1" lang="ja-JP" altLang="en-US" smtClean="0"/>
-              <a:t>2015/6/13</a:t>
+              <a:t>2015/6/16</a:t>
             </a:fld>
             <a:endParaRPr kumimoji="1" lang="ja-JP" altLang="en-US"/>
           </a:p>
@@ -1116,7 +2667,7 @@
           <a:p>
             <a:fld id="{E69596A1-627C-4CF0-BCB9-D41D8A5CB327}" type="datetimeFigureOut">
               <a:rPr kumimoji="1" lang="ja-JP" altLang="en-US" smtClean="0"/>
-              <a:t>2015/6/13</a:t>
+              <a:t>2015/6/16</a:t>
             </a:fld>
             <a:endParaRPr kumimoji="1" lang="ja-JP" altLang="en-US"/>
           </a:p>
@@ -1412,7 +2963,7 @@
           <a:p>
             <a:fld id="{E69596A1-627C-4CF0-BCB9-D41D8A5CB327}" type="datetimeFigureOut">
               <a:rPr kumimoji="1" lang="ja-JP" altLang="en-US" smtClean="0"/>
-              <a:t>2015/6/13</a:t>
+              <a:t>2015/6/16</a:t>
             </a:fld>
             <a:endParaRPr kumimoji="1" lang="ja-JP" altLang="en-US"/>
           </a:p>
@@ -1843,7 +3394,7 @@
           <a:p>
             <a:fld id="{E69596A1-627C-4CF0-BCB9-D41D8A5CB327}" type="datetimeFigureOut">
               <a:rPr kumimoji="1" lang="ja-JP" altLang="en-US" smtClean="0"/>
-              <a:t>2015/6/13</a:t>
+              <a:t>2015/6/16</a:t>
             </a:fld>
             <a:endParaRPr kumimoji="1" lang="ja-JP" altLang="en-US"/>
           </a:p>
@@ -1961,7 +3512,7 @@
           <a:p>
             <a:fld id="{E69596A1-627C-4CF0-BCB9-D41D8A5CB327}" type="datetimeFigureOut">
               <a:rPr kumimoji="1" lang="ja-JP" altLang="en-US" smtClean="0"/>
-              <a:t>2015/6/13</a:t>
+              <a:t>2015/6/16</a:t>
             </a:fld>
             <a:endParaRPr kumimoji="1" lang="ja-JP" altLang="en-US"/>
           </a:p>
@@ -2056,7 +3607,7 @@
           <a:p>
             <a:fld id="{E69596A1-627C-4CF0-BCB9-D41D8A5CB327}" type="datetimeFigureOut">
               <a:rPr kumimoji="1" lang="ja-JP" altLang="en-US" smtClean="0"/>
-              <a:t>2015/6/13</a:t>
+              <a:t>2015/6/16</a:t>
             </a:fld>
             <a:endParaRPr kumimoji="1" lang="ja-JP" altLang="en-US"/>
           </a:p>
@@ -2365,7 +3916,7 @@
           <a:p>
             <a:fld id="{E69596A1-627C-4CF0-BCB9-D41D8A5CB327}" type="datetimeFigureOut">
               <a:rPr kumimoji="1" lang="ja-JP" altLang="en-US" smtClean="0"/>
-              <a:t>2015/6/13</a:t>
+              <a:t>2015/6/16</a:t>
             </a:fld>
             <a:endParaRPr kumimoji="1" lang="ja-JP" altLang="en-US"/>
           </a:p>
@@ -2618,7 +4169,7 @@
           <a:p>
             <a:fld id="{E69596A1-627C-4CF0-BCB9-D41D8A5CB327}" type="datetimeFigureOut">
               <a:rPr kumimoji="1" lang="ja-JP" altLang="en-US" smtClean="0"/>
-              <a:t>2015/6/13</a:t>
+              <a:t>2015/6/16</a:t>
             </a:fld>
             <a:endParaRPr kumimoji="1" lang="ja-JP" altLang="en-US"/>
           </a:p>
@@ -2863,7 +4414,7 @@
           <a:p>
             <a:fld id="{E69596A1-627C-4CF0-BCB9-D41D8A5CB327}" type="datetimeFigureOut">
               <a:rPr kumimoji="1" lang="ja-JP" altLang="en-US" smtClean="0"/>
-              <a:t>2015/6/13</a:t>
+              <a:t>2015/6/16</a:t>
             </a:fld>
             <a:endParaRPr kumimoji="1" lang="ja-JP" altLang="en-US"/>
           </a:p>
@@ -3549,36 +5100,6 @@
           <p:nvPr/>
         </p:nvPicPr>
         <p:blipFill>
-          <a:blip r:embed="rId2" cstate="print">
-            <a:extLst>
-              <a:ext uri="{28A0092B-C50C-407E-A947-70E740481C1C}">
-                <a14:useLocalDpi xmlns:a14="http://schemas.microsoft.com/office/drawing/2010/main" val="0"/>
-              </a:ext>
-            </a:extLst>
-          </a:blip>
-          <a:stretch>
-            <a:fillRect/>
-          </a:stretch>
-        </p:blipFill>
-        <p:spPr>
-          <a:xfrm>
-            <a:off x="10988842" y="5654842"/>
-            <a:ext cx="1203157" cy="1203157"/>
-          </a:xfrm>
-          <a:prstGeom prst="rect">
-            <a:avLst/>
-          </a:prstGeom>
-        </p:spPr>
-      </p:pic>
-      <p:pic>
-        <p:nvPicPr>
-          <p:cNvPr id="5" name="図 4"/>
-          <p:cNvPicPr>
-            <a:picLocks noChangeAspect="1"/>
-          </p:cNvPicPr>
-          <p:nvPr/>
-        </p:nvPicPr>
-        <p:blipFill>
           <a:blip r:embed="rId3" cstate="print">
             <a:extLst>
               <a:ext uri="{28A0092B-C50C-407E-A947-70E740481C1C}">
@@ -3592,8 +5113,8 @@
         </p:blipFill>
         <p:spPr>
           <a:xfrm>
-            <a:off x="959248" y="2829242"/>
-            <a:ext cx="2825598" cy="2825598"/>
+            <a:off x="10988842" y="5654842"/>
+            <a:ext cx="1203157" cy="1203157"/>
           </a:xfrm>
           <a:prstGeom prst="rect">
             <a:avLst/>
@@ -3602,7 +5123,7 @@
       </p:pic>
       <p:pic>
         <p:nvPicPr>
-          <p:cNvPr id="6" name="図 5"/>
+          <p:cNvPr id="5" name="図 4"/>
           <p:cNvPicPr>
             <a:picLocks noChangeAspect="1"/>
           </p:cNvPicPr>
@@ -3622,6 +5143,36 @@
         </p:blipFill>
         <p:spPr>
           <a:xfrm>
+            <a:off x="959248" y="2829242"/>
+            <a:ext cx="2825598" cy="2825598"/>
+          </a:xfrm>
+          <a:prstGeom prst="rect">
+            <a:avLst/>
+          </a:prstGeom>
+        </p:spPr>
+      </p:pic>
+      <p:pic>
+        <p:nvPicPr>
+          <p:cNvPr id="6" name="図 5"/>
+          <p:cNvPicPr>
+            <a:picLocks noChangeAspect="1"/>
+          </p:cNvPicPr>
+          <p:nvPr/>
+        </p:nvPicPr>
+        <p:blipFill>
+          <a:blip r:embed="rId5" cstate="print">
+            <a:extLst>
+              <a:ext uri="{28A0092B-C50C-407E-A947-70E740481C1C}">
+                <a14:useLocalDpi xmlns:a14="http://schemas.microsoft.com/office/drawing/2010/main" val="0"/>
+              </a:ext>
+            </a:extLst>
+          </a:blip>
+          <a:stretch>
+            <a:fillRect/>
+          </a:stretch>
+        </p:blipFill>
+        <p:spPr>
+          <a:xfrm>
             <a:off x="4777762" y="3022921"/>
             <a:ext cx="2651426" cy="2651426"/>
           </a:xfrm>
@@ -3639,7 +5190,7 @@
           <p:nvPr/>
         </p:nvPicPr>
         <p:blipFill>
-          <a:blip r:embed="rId5" cstate="print">
+          <a:blip r:embed="rId6" cstate="print">
             <a:extLst>
               <a:ext uri="{28A0092B-C50C-407E-A947-70E740481C1C}">
                 <a14:useLocalDpi xmlns:a14="http://schemas.microsoft.com/office/drawing/2010/main" val="0"/>
@@ -3796,7 +5347,7 @@
           <p:nvPr/>
         </p:nvPicPr>
         <p:blipFill>
-          <a:blip r:embed="rId2" cstate="print">
+          <a:blip r:embed="rId3" cstate="print">
             <a:extLst>
               <a:ext uri="{28A0092B-C50C-407E-A947-70E740481C1C}">
                 <a14:useLocalDpi xmlns:a14="http://schemas.microsoft.com/office/drawing/2010/main" val="0"/>
@@ -4057,7 +5608,7 @@
           <p:nvPr/>
         </p:nvPicPr>
         <p:blipFill>
-          <a:blip r:embed="rId2" cstate="print">
+          <a:blip r:embed="rId3" cstate="print">
             <a:extLst>
               <a:ext uri="{28A0092B-C50C-407E-A947-70E740481C1C}">
                 <a14:useLocalDpi xmlns:a14="http://schemas.microsoft.com/office/drawing/2010/main" val="0"/>
@@ -4082,6 +5633,66 @@
     <p:extLst>
       <p:ext uri="{BB962C8B-B14F-4D97-AF65-F5344CB8AC3E}">
         <p14:creationId xmlns:p14="http://schemas.microsoft.com/office/powerpoint/2010/main" val="1082787470"/>
+      </p:ext>
+    </p:extLst>
+  </p:cSld>
+  <p:clrMapOvr>
+    <a:masterClrMapping/>
+  </p:clrMapOvr>
+</p:sld>
+</file>
+
+<file path=ppt/slides/slide13.xml><?xml version="1.0" encoding="utf-8"?>
+<p:sld xmlns:a="http://schemas.openxmlformats.org/drawingml/2006/main" xmlns:r="http://schemas.openxmlformats.org/officeDocument/2006/relationships" xmlns:p="http://schemas.openxmlformats.org/presentationml/2006/main">
+  <p:cSld>
+    <p:spTree>
+      <p:nvGrpSpPr>
+        <p:cNvPr id="1" name=""/>
+        <p:cNvGrpSpPr/>
+        <p:nvPr/>
+      </p:nvGrpSpPr>
+      <p:grpSpPr>
+        <a:xfrm>
+          <a:off x="0" y="0"/>
+          <a:ext cx="0" cy="0"/>
+          <a:chOff x="0" y="0"/>
+          <a:chExt cx="0" cy="0"/>
+        </a:xfrm>
+      </p:grpSpPr>
+      <p:pic>
+        <p:nvPicPr>
+          <p:cNvPr id="2" name="図 1"/>
+          <p:cNvPicPr>
+            <a:picLocks noChangeAspect="1"/>
+          </p:cNvPicPr>
+          <p:nvPr/>
+        </p:nvPicPr>
+        <p:blipFill>
+          <a:blip r:embed="rId3" cstate="print">
+            <a:extLst>
+              <a:ext uri="{28A0092B-C50C-407E-A947-70E740481C1C}">
+                <a14:useLocalDpi xmlns:a14="http://schemas.microsoft.com/office/drawing/2010/main" val="0"/>
+              </a:ext>
+            </a:extLst>
+          </a:blip>
+          <a:stretch>
+            <a:fillRect/>
+          </a:stretch>
+        </p:blipFill>
+        <p:spPr>
+          <a:xfrm>
+            <a:off x="10988842" y="5654842"/>
+            <a:ext cx="1203157" cy="1203157"/>
+          </a:xfrm>
+          <a:prstGeom prst="rect">
+            <a:avLst/>
+          </a:prstGeom>
+        </p:spPr>
+      </p:pic>
+    </p:spTree>
+    <p:extLst>
+      <p:ext uri="{BB962C8B-B14F-4D97-AF65-F5344CB8AC3E}">
+        <p14:creationId xmlns:p14="http://schemas.microsoft.com/office/powerpoint/2010/main" val="1970350676"/>
       </p:ext>
     </p:extLst>
   </p:cSld>
@@ -4247,7 +5858,7 @@
           <p:nvPr/>
         </p:nvPicPr>
         <p:blipFill>
-          <a:blip r:embed="rId2" cstate="print">
+          <a:blip r:embed="rId3" cstate="print">
             <a:extLst>
               <a:ext uri="{28A0092B-C50C-407E-A947-70E740481C1C}">
                 <a14:useLocalDpi xmlns:a14="http://schemas.microsoft.com/office/drawing/2010/main" val="0"/>
@@ -4307,7 +5918,7 @@
           <p:nvPr/>
         </p:nvPicPr>
         <p:blipFill>
-          <a:blip r:embed="rId3">
+          <a:blip r:embed="rId4">
             <a:extLst>
               <a:ext uri="{28A0092B-C50C-407E-A947-70E740481C1C}">
                 <a14:useLocalDpi xmlns:a14="http://schemas.microsoft.com/office/drawing/2010/main" val="0"/>
@@ -4432,12 +6043,8 @@
           </a:p>
           <a:p>
             <a:r>
-              <a:rPr lang="ja-JP" altLang="en-US" sz="2800" dirty="0"/>
-              <a:t>図</a:t>
-            </a:r>
-            <a:r>
               <a:rPr lang="ja-JP" altLang="en-US" sz="2800" dirty="0" smtClean="0"/>
-              <a:t>ろうとする。</a:t>
+              <a:t>図ろうとする。</a:t>
             </a:r>
             <a:endParaRPr kumimoji="1" lang="ja-JP" altLang="en-US" sz="2800" dirty="0"/>
           </a:p>
@@ -4482,36 +6089,6 @@
           <p:nvPr/>
         </p:nvPicPr>
         <p:blipFill>
-          <a:blip r:embed="rId2" cstate="print">
-            <a:extLst>
-              <a:ext uri="{28A0092B-C50C-407E-A947-70E740481C1C}">
-                <a14:useLocalDpi xmlns:a14="http://schemas.microsoft.com/office/drawing/2010/main" val="0"/>
-              </a:ext>
-            </a:extLst>
-          </a:blip>
-          <a:stretch>
-            <a:fillRect/>
-          </a:stretch>
-        </p:blipFill>
-        <p:spPr>
-          <a:xfrm>
-            <a:off x="-397707" y="1170036"/>
-            <a:ext cx="5546558" cy="5546558"/>
-          </a:xfrm>
-          <a:prstGeom prst="rect">
-            <a:avLst/>
-          </a:prstGeom>
-        </p:spPr>
-      </p:pic>
-      <p:pic>
-        <p:nvPicPr>
-          <p:cNvPr id="5" name="図 4"/>
-          <p:cNvPicPr>
-            <a:picLocks noChangeAspect="1"/>
-          </p:cNvPicPr>
-          <p:nvPr/>
-        </p:nvPicPr>
-        <p:blipFill>
           <a:blip r:embed="rId3" cstate="print">
             <a:extLst>
               <a:ext uri="{28A0092B-C50C-407E-A947-70E740481C1C}">
@@ -4525,63 +6102,17 @@
         </p:blipFill>
         <p:spPr>
           <a:xfrm>
-            <a:off x="10988842" y="5654842"/>
-            <a:ext cx="1203157" cy="1203157"/>
+            <a:off x="-397707" y="1170036"/>
+            <a:ext cx="5546558" cy="5546558"/>
           </a:xfrm>
           <a:prstGeom prst="rect">
             <a:avLst/>
           </a:prstGeom>
         </p:spPr>
       </p:pic>
-      <p:sp>
-        <p:nvSpPr>
-          <p:cNvPr id="7" name="角丸四角形 6"/>
-          <p:cNvSpPr/>
-          <p:nvPr/>
-        </p:nvSpPr>
-        <p:spPr>
-          <a:xfrm>
-            <a:off x="5547360" y="731520"/>
-            <a:ext cx="6148252" cy="5158448"/>
-          </a:xfrm>
-          <a:prstGeom prst="roundRect">
-            <a:avLst/>
-          </a:prstGeom>
-          <a:solidFill>
-            <a:schemeClr val="accent1">
-              <a:lumMod val="20000"/>
-              <a:lumOff val="80000"/>
-            </a:schemeClr>
-          </a:solidFill>
-        </p:spPr>
-        <p:style>
-          <a:lnRef idx="2">
-            <a:schemeClr val="accent1">
-              <a:shade val="50000"/>
-            </a:schemeClr>
-          </a:lnRef>
-          <a:fillRef idx="1">
-            <a:schemeClr val="accent1"/>
-          </a:fillRef>
-          <a:effectRef idx="0">
-            <a:schemeClr val="accent1"/>
-          </a:effectRef>
-          <a:fontRef idx="minor">
-            <a:schemeClr val="lt1"/>
-          </a:fontRef>
-        </p:style>
-        <p:txBody>
-          <a:bodyPr rtlCol="0" anchor="ctr"/>
-          <a:lstStyle/>
-          <a:p>
-            <a:pPr algn="ctr"/>
-            <a:endParaRPr kumimoji="1" lang="ja-JP" altLang="en-US" dirty="0"/>
-          </a:p>
-        </p:txBody>
-      </p:sp>
       <p:pic>
         <p:nvPicPr>
-          <p:cNvPr id="2" name="図 1"/>
+          <p:cNvPr id="5" name="図 4"/>
           <p:cNvPicPr>
             <a:picLocks noChangeAspect="1"/>
           </p:cNvPicPr>
@@ -4601,6 +6132,82 @@
         </p:blipFill>
         <p:spPr>
           <a:xfrm>
+            <a:off x="10988842" y="5654842"/>
+            <a:ext cx="1203157" cy="1203157"/>
+          </a:xfrm>
+          <a:prstGeom prst="rect">
+            <a:avLst/>
+          </a:prstGeom>
+        </p:spPr>
+      </p:pic>
+      <p:sp>
+        <p:nvSpPr>
+          <p:cNvPr id="7" name="角丸四角形 6"/>
+          <p:cNvSpPr/>
+          <p:nvPr/>
+        </p:nvSpPr>
+        <p:spPr>
+          <a:xfrm>
+            <a:off x="5547360" y="731520"/>
+            <a:ext cx="6148252" cy="5158448"/>
+          </a:xfrm>
+          <a:prstGeom prst="roundRect">
+            <a:avLst/>
+          </a:prstGeom>
+          <a:solidFill>
+            <a:schemeClr val="accent1">
+              <a:lumMod val="20000"/>
+              <a:lumOff val="80000"/>
+            </a:schemeClr>
+          </a:solidFill>
+        </p:spPr>
+        <p:style>
+          <a:lnRef idx="2">
+            <a:schemeClr val="accent1">
+              <a:shade val="50000"/>
+            </a:schemeClr>
+          </a:lnRef>
+          <a:fillRef idx="1">
+            <a:schemeClr val="accent1"/>
+          </a:fillRef>
+          <a:effectRef idx="0">
+            <a:schemeClr val="accent1"/>
+          </a:effectRef>
+          <a:fontRef idx="minor">
+            <a:schemeClr val="lt1"/>
+          </a:fontRef>
+        </p:style>
+        <p:txBody>
+          <a:bodyPr rtlCol="0" anchor="ctr"/>
+          <a:lstStyle/>
+          <a:p>
+            <a:pPr algn="ctr"/>
+            <a:endParaRPr kumimoji="1" lang="ja-JP" altLang="en-US" dirty="0"/>
+          </a:p>
+        </p:txBody>
+      </p:sp>
+      <p:pic>
+        <p:nvPicPr>
+          <p:cNvPr id="2" name="図 1"/>
+          <p:cNvPicPr>
+            <a:picLocks noChangeAspect="1"/>
+          </p:cNvPicPr>
+          <p:nvPr/>
+        </p:nvPicPr>
+        <p:blipFill>
+          <a:blip r:embed="rId5" cstate="print">
+            <a:extLst>
+              <a:ext uri="{28A0092B-C50C-407E-A947-70E740481C1C}">
+                <a14:useLocalDpi xmlns:a14="http://schemas.microsoft.com/office/drawing/2010/main" val="0"/>
+              </a:ext>
+            </a:extLst>
+          </a:blip>
+          <a:stretch>
+            <a:fillRect/>
+          </a:stretch>
+        </p:blipFill>
+        <p:spPr>
+          <a:xfrm>
             <a:off x="7750214" y="1089906"/>
             <a:ext cx="1760156" cy="2651968"/>
           </a:xfrm>
@@ -4618,7 +6225,7 @@
           <p:nvPr/>
         </p:nvPicPr>
         <p:blipFill>
-          <a:blip r:embed="rId5">
+          <a:blip r:embed="rId6">
             <a:extLst>
               <a:ext uri="{28A0092B-C50C-407E-A947-70E740481C1C}">
                 <a14:useLocalDpi xmlns:a14="http://schemas.microsoft.com/office/drawing/2010/main" val="0"/>
@@ -4648,7 +6255,7 @@
           <p:nvPr/>
         </p:nvPicPr>
         <p:blipFill>
-          <a:blip r:embed="rId6">
+          <a:blip r:embed="rId7">
             <a:extLst>
               <a:ext uri="{28A0092B-C50C-407E-A947-70E740481C1C}">
                 <a14:useLocalDpi xmlns:a14="http://schemas.microsoft.com/office/drawing/2010/main" val="0"/>
@@ -4812,7 +6419,7 @@
           <p:nvPr/>
         </p:nvPicPr>
         <p:blipFill>
-          <a:blip r:embed="rId2" cstate="print">
+          <a:blip r:embed="rId3" cstate="print">
             <a:extLst>
               <a:ext uri="{28A0092B-C50C-407E-A947-70E740481C1C}">
                 <a14:useLocalDpi xmlns:a14="http://schemas.microsoft.com/office/drawing/2010/main" val="0"/>
@@ -5238,7 +6845,7 @@
           <p:nvPr/>
         </p:nvPicPr>
         <p:blipFill>
-          <a:blip r:embed="rId3" cstate="print">
+          <a:blip r:embed="rId4" cstate="print">
             <a:extLst>
               <a:ext uri="{28A0092B-C50C-407E-A947-70E740481C1C}">
                 <a14:useLocalDpi xmlns:a14="http://schemas.microsoft.com/office/drawing/2010/main" val="0"/>
@@ -5388,7 +6995,7 @@
           <p:nvPr/>
         </p:nvPicPr>
         <p:blipFill>
-          <a:blip r:embed="rId2" cstate="print">
+          <a:blip r:embed="rId3" cstate="print">
             <a:extLst>
               <a:ext uri="{28A0092B-C50C-407E-A947-70E740481C1C}">
                 <a14:useLocalDpi xmlns:a14="http://schemas.microsoft.com/office/drawing/2010/main" val="0"/>
@@ -5498,7 +7105,7 @@
           <p:nvPr/>
         </p:nvPicPr>
         <p:blipFill>
-          <a:blip r:embed="rId3" cstate="print">
+          <a:blip r:embed="rId4" cstate="print">
             <a:extLst>
               <a:ext uri="{28A0092B-C50C-407E-A947-70E740481C1C}">
                 <a14:useLocalDpi xmlns:a14="http://schemas.microsoft.com/office/drawing/2010/main" val="0"/>
@@ -5551,14 +7158,14 @@
       </p:grpSpPr>
       <p:sp>
         <p:nvSpPr>
-          <p:cNvPr id="3" name="テキスト ボックス 2"/>
+          <p:cNvPr id="2" name="テキスト ボックス 1"/>
           <p:cNvSpPr txBox="1"/>
           <p:nvPr/>
         </p:nvSpPr>
         <p:spPr>
           <a:xfrm>
-            <a:off x="600891" y="487679"/>
-            <a:ext cx="2948243" cy="769441"/>
+            <a:off x="1277899" y="2386389"/>
+            <a:ext cx="6144631" cy="1323439"/>
           </a:xfrm>
           <a:prstGeom prst="rect">
             <a:avLst/>
@@ -5572,57 +7179,23 @@
           <a:lstStyle/>
           <a:p>
             <a:r>
-              <a:rPr lang="ja-JP" altLang="en-US" sz="4400" dirty="0" smtClean="0"/>
-              <a:t>ゲーム</a:t>
-            </a:r>
-            <a:r>
-              <a:rPr lang="ja-JP" altLang="en-US" sz="4400" dirty="0"/>
-              <a:t>画面</a:t>
-            </a:r>
-            <a:endParaRPr kumimoji="1" lang="ja-JP" altLang="en-US" sz="4400" dirty="0"/>
-          </a:p>
-        </p:txBody>
-      </p:sp>
-      <p:pic>
-        <p:nvPicPr>
-          <p:cNvPr id="4" name="図 3"/>
-          <p:cNvPicPr>
-            <a:picLocks noChangeAspect="1"/>
-          </p:cNvPicPr>
-          <p:nvPr/>
-        </p:nvPicPr>
-        <p:blipFill>
-          <a:blip r:embed="rId2">
-            <a:extLst>
-              <a:ext uri="{28A0092B-C50C-407E-A947-70E740481C1C}">
-                <a14:useLocalDpi xmlns:a14="http://schemas.microsoft.com/office/drawing/2010/main" val="0"/>
-              </a:ext>
-            </a:extLst>
-          </a:blip>
-          <a:stretch>
-            <a:fillRect/>
-          </a:stretch>
-        </p:blipFill>
-        <p:spPr>
-          <a:xfrm>
-            <a:off x="600891" y="1435029"/>
-            <a:ext cx="7173687" cy="4991650"/>
-          </a:xfrm>
-          <a:prstGeom prst="rect">
-            <a:avLst/>
-          </a:prstGeom>
-        </p:spPr>
-      </p:pic>
-      <p:sp>
-        <p:nvSpPr>
-          <p:cNvPr id="5" name="テキスト ボックス 4"/>
+              <a:rPr kumimoji="1" lang="ja-JP" altLang="en-US" sz="8000" dirty="0" smtClean="0"/>
+              <a:t>一つの宝物を</a:t>
+            </a:r>
+            <a:endParaRPr kumimoji="1" lang="ja-JP" altLang="en-US" sz="8000" dirty="0"/>
+          </a:p>
+        </p:txBody>
+      </p:sp>
+      <p:sp>
+        <p:nvSpPr>
+          <p:cNvPr id="3" name="テキスト ボックス 2"/>
           <p:cNvSpPr txBox="1"/>
           <p:nvPr/>
         </p:nvSpPr>
         <p:spPr>
           <a:xfrm>
-            <a:off x="8635038" y="4701396"/>
-            <a:ext cx="1510350" cy="523220"/>
+            <a:off x="3600281" y="3709828"/>
+            <a:ext cx="7691529" cy="1323439"/>
           </a:xfrm>
           <a:prstGeom prst="rect">
             <a:avLst/>
@@ -5636,31 +7209,23 @@
           <a:lstStyle/>
           <a:p>
             <a:r>
-              <a:rPr lang="ja-JP" altLang="en-US" sz="2800" dirty="0" smtClean="0"/>
-              <a:t>★</a:t>
-            </a:r>
-            <a:r>
-              <a:rPr lang="en-US" altLang="ja-JP" sz="2800" dirty="0" smtClean="0"/>
-              <a:t>…</a:t>
-            </a:r>
-            <a:r>
-              <a:rPr lang="ja-JP" altLang="en-US" sz="2800" dirty="0" smtClean="0"/>
-              <a:t>宝物</a:t>
-            </a:r>
-            <a:endParaRPr kumimoji="1" lang="ja-JP" altLang="en-US" sz="2800" dirty="0"/>
-          </a:p>
-        </p:txBody>
-      </p:sp>
-      <p:sp>
-        <p:nvSpPr>
-          <p:cNvPr id="6" name="テキスト ボックス 5"/>
+              <a:rPr kumimoji="1" lang="ja-JP" altLang="en-US" sz="8000" dirty="0" smtClean="0"/>
+              <a:t>四人が奪い合う。</a:t>
+            </a:r>
+            <a:endParaRPr kumimoji="1" lang="ja-JP" altLang="en-US" sz="8000" dirty="0"/>
+          </a:p>
+        </p:txBody>
+      </p:sp>
+      <p:sp>
+        <p:nvSpPr>
+          <p:cNvPr id="4" name="テキスト ボックス 3"/>
           <p:cNvSpPr txBox="1"/>
           <p:nvPr/>
         </p:nvSpPr>
         <p:spPr>
           <a:xfrm>
-            <a:off x="8635039" y="5270739"/>
-            <a:ext cx="1510350" cy="523220"/>
+            <a:off x="600891" y="487679"/>
+            <a:ext cx="2502608" cy="769441"/>
           </a:xfrm>
           <a:prstGeom prst="rect">
             <a:avLst/>
@@ -5674,24 +7239,16 @@
           <a:lstStyle/>
           <a:p>
             <a:r>
-              <a:rPr kumimoji="1" lang="ja-JP" altLang="en-US" sz="2800" dirty="0" smtClean="0"/>
-              <a:t>△</a:t>
-            </a:r>
-            <a:r>
-              <a:rPr kumimoji="1" lang="en-US" altLang="ja-JP" sz="2800" dirty="0" smtClean="0"/>
-              <a:t>…</a:t>
-            </a:r>
-            <a:r>
-              <a:rPr kumimoji="1" lang="ja-JP" altLang="en-US" sz="2800" dirty="0" smtClean="0"/>
-              <a:t>陣地</a:t>
-            </a:r>
-            <a:endParaRPr kumimoji="1" lang="ja-JP" altLang="en-US" sz="2800" dirty="0"/>
+              <a:rPr kumimoji="1" lang="ja-JP" altLang="en-US" sz="4400" dirty="0" smtClean="0"/>
+              <a:t>コンセプト</a:t>
+            </a:r>
+            <a:endParaRPr kumimoji="1" lang="ja-JP" altLang="en-US" sz="4400" dirty="0"/>
           </a:p>
         </p:txBody>
       </p:sp>
       <p:pic>
         <p:nvPicPr>
-          <p:cNvPr id="7" name="図 6"/>
+          <p:cNvPr id="6" name="図 5"/>
           <p:cNvPicPr>
             <a:picLocks noChangeAspect="1"/>
           </p:cNvPicPr>
@@ -5722,7 +7279,7 @@
     </p:spTree>
     <p:extLst>
       <p:ext uri="{BB962C8B-B14F-4D97-AF65-F5344CB8AC3E}">
-        <p14:creationId xmlns:p14="http://schemas.microsoft.com/office/powerpoint/2010/main" val="700567770"/>
+        <p14:creationId xmlns:p14="http://schemas.microsoft.com/office/powerpoint/2010/main" val="3433784511"/>
       </p:ext>
     </p:extLst>
   </p:cSld>
@@ -5751,14 +7308,14 @@
       </p:grpSpPr>
       <p:sp>
         <p:nvSpPr>
-          <p:cNvPr id="2" name="テキスト ボックス 1"/>
+          <p:cNvPr id="3" name="テキスト ボックス 2"/>
           <p:cNvSpPr txBox="1"/>
           <p:nvPr/>
         </p:nvSpPr>
         <p:spPr>
           <a:xfrm>
-            <a:off x="1277899" y="2386389"/>
-            <a:ext cx="6144631" cy="1323439"/>
+            <a:off x="600891" y="487679"/>
+            <a:ext cx="2948243" cy="769441"/>
           </a:xfrm>
           <a:prstGeom prst="rect">
             <a:avLst/>
@@ -5772,76 +7329,12 @@
           <a:lstStyle/>
           <a:p>
             <a:r>
-              <a:rPr kumimoji="1" lang="ja-JP" altLang="en-US" sz="8000" dirty="0" smtClean="0"/>
-              <a:t>一つの宝物</a:t>
-            </a:r>
-            <a:r>
-              <a:rPr kumimoji="1" lang="ja-JP" altLang="en-US" sz="8000" dirty="0" smtClean="0"/>
-              <a:t>を</a:t>
-            </a:r>
-            <a:endParaRPr kumimoji="1" lang="ja-JP" altLang="en-US" sz="8000" dirty="0"/>
-          </a:p>
-        </p:txBody>
-      </p:sp>
-      <p:sp>
-        <p:nvSpPr>
-          <p:cNvPr id="3" name="テキスト ボックス 2"/>
-          <p:cNvSpPr txBox="1"/>
-          <p:nvPr/>
-        </p:nvSpPr>
-        <p:spPr>
-          <a:xfrm>
-            <a:off x="3600281" y="3709828"/>
-            <a:ext cx="7691529" cy="1323439"/>
-          </a:xfrm>
-          <a:prstGeom prst="rect">
-            <a:avLst/>
-          </a:prstGeom>
-          <a:noFill/>
-        </p:spPr>
-        <p:txBody>
-          <a:bodyPr wrap="none" rtlCol="0">
-            <a:spAutoFit/>
-          </a:bodyPr>
-          <a:lstStyle/>
-          <a:p>
-            <a:r>
-              <a:rPr kumimoji="1" lang="ja-JP" altLang="en-US" sz="8000" dirty="0" smtClean="0"/>
-              <a:t>四人</a:t>
-            </a:r>
-            <a:r>
-              <a:rPr kumimoji="1" lang="ja-JP" altLang="en-US" sz="8000" dirty="0" smtClean="0"/>
-              <a:t>が奪い合う。</a:t>
-            </a:r>
-            <a:endParaRPr kumimoji="1" lang="ja-JP" altLang="en-US" sz="8000" dirty="0"/>
-          </a:p>
-        </p:txBody>
-      </p:sp>
-      <p:sp>
-        <p:nvSpPr>
-          <p:cNvPr id="4" name="テキスト ボックス 3"/>
-          <p:cNvSpPr txBox="1"/>
-          <p:nvPr/>
-        </p:nvSpPr>
-        <p:spPr>
-          <a:xfrm>
-            <a:off x="600891" y="487679"/>
-            <a:ext cx="2502608" cy="769441"/>
-          </a:xfrm>
-          <a:prstGeom prst="rect">
-            <a:avLst/>
-          </a:prstGeom>
-          <a:noFill/>
-        </p:spPr>
-        <p:txBody>
-          <a:bodyPr wrap="none" rtlCol="0">
-            <a:spAutoFit/>
-          </a:bodyPr>
-          <a:lstStyle/>
-          <a:p>
-            <a:r>
-              <a:rPr kumimoji="1" lang="ja-JP" altLang="en-US" sz="4400" dirty="0" smtClean="0"/>
-              <a:t>コンセプト</a:t>
+              <a:rPr lang="ja-JP" altLang="en-US" sz="4400" dirty="0" smtClean="0"/>
+              <a:t>ゲーム</a:t>
+            </a:r>
+            <a:r>
+              <a:rPr lang="ja-JP" altLang="en-US" sz="4400" dirty="0"/>
+              <a:t>画面</a:t>
             </a:r>
             <a:endParaRPr kumimoji="1" lang="ja-JP" altLang="en-US" sz="4400" dirty="0"/>
           </a:p>
@@ -5849,14 +7342,14 @@
       </p:sp>
       <p:pic>
         <p:nvPicPr>
-          <p:cNvPr id="6" name="図 5"/>
+          <p:cNvPr id="4" name="図 3"/>
           <p:cNvPicPr>
             <a:picLocks noChangeAspect="1"/>
           </p:cNvPicPr>
           <p:nvPr/>
         </p:nvPicPr>
         <p:blipFill>
-          <a:blip r:embed="rId2" cstate="print">
+          <a:blip r:embed="rId3">
             <a:extLst>
               <a:ext uri="{28A0092B-C50C-407E-A947-70E740481C1C}">
                 <a14:useLocalDpi xmlns:a14="http://schemas.microsoft.com/office/drawing/2010/main" val="0"/>
@@ -5869,6 +7362,112 @@
         </p:blipFill>
         <p:spPr>
           <a:xfrm>
+            <a:off x="600891" y="1435029"/>
+            <a:ext cx="7173687" cy="4991650"/>
+          </a:xfrm>
+          <a:prstGeom prst="rect">
+            <a:avLst/>
+          </a:prstGeom>
+        </p:spPr>
+      </p:pic>
+      <p:sp>
+        <p:nvSpPr>
+          <p:cNvPr id="5" name="テキスト ボックス 4"/>
+          <p:cNvSpPr txBox="1"/>
+          <p:nvPr/>
+        </p:nvSpPr>
+        <p:spPr>
+          <a:xfrm>
+            <a:off x="8635038" y="4701396"/>
+            <a:ext cx="1510350" cy="523220"/>
+          </a:xfrm>
+          <a:prstGeom prst="rect">
+            <a:avLst/>
+          </a:prstGeom>
+          <a:noFill/>
+        </p:spPr>
+        <p:txBody>
+          <a:bodyPr wrap="none" rtlCol="0">
+            <a:spAutoFit/>
+          </a:bodyPr>
+          <a:lstStyle/>
+          <a:p>
+            <a:r>
+              <a:rPr lang="ja-JP" altLang="en-US" sz="2800" dirty="0" smtClean="0"/>
+              <a:t>★</a:t>
+            </a:r>
+            <a:r>
+              <a:rPr lang="en-US" altLang="ja-JP" sz="2800" dirty="0" smtClean="0"/>
+              <a:t>…</a:t>
+            </a:r>
+            <a:r>
+              <a:rPr lang="ja-JP" altLang="en-US" sz="2800" dirty="0" smtClean="0"/>
+              <a:t>宝物</a:t>
+            </a:r>
+            <a:endParaRPr kumimoji="1" lang="ja-JP" altLang="en-US" sz="2800" dirty="0"/>
+          </a:p>
+        </p:txBody>
+      </p:sp>
+      <p:sp>
+        <p:nvSpPr>
+          <p:cNvPr id="6" name="テキスト ボックス 5"/>
+          <p:cNvSpPr txBox="1"/>
+          <p:nvPr/>
+        </p:nvSpPr>
+        <p:spPr>
+          <a:xfrm>
+            <a:off x="8635039" y="5270739"/>
+            <a:ext cx="1510350" cy="523220"/>
+          </a:xfrm>
+          <a:prstGeom prst="rect">
+            <a:avLst/>
+          </a:prstGeom>
+          <a:noFill/>
+        </p:spPr>
+        <p:txBody>
+          <a:bodyPr wrap="none" rtlCol="0">
+            <a:spAutoFit/>
+          </a:bodyPr>
+          <a:lstStyle/>
+          <a:p>
+            <a:r>
+              <a:rPr kumimoji="1" lang="ja-JP" altLang="en-US" sz="2800" dirty="0" smtClean="0"/>
+              <a:t>△</a:t>
+            </a:r>
+            <a:r>
+              <a:rPr kumimoji="1" lang="en-US" altLang="ja-JP" sz="2800" dirty="0" smtClean="0"/>
+              <a:t>…</a:t>
+            </a:r>
+            <a:r>
+              <a:rPr kumimoji="1" lang="ja-JP" altLang="en-US" sz="2800" dirty="0" smtClean="0"/>
+              <a:t>陣地</a:t>
+            </a:r>
+            <a:endParaRPr kumimoji="1" lang="ja-JP" altLang="en-US" sz="2800" dirty="0"/>
+          </a:p>
+        </p:txBody>
+      </p:sp>
+      <p:pic>
+        <p:nvPicPr>
+          <p:cNvPr id="7" name="図 6"/>
+          <p:cNvPicPr>
+            <a:picLocks noChangeAspect="1"/>
+          </p:cNvPicPr>
+          <p:nvPr/>
+        </p:nvPicPr>
+        <p:blipFill>
+          <a:blip r:embed="rId4" cstate="print">
+            <a:extLst>
+              <a:ext uri="{28A0092B-C50C-407E-A947-70E740481C1C}">
+                <a14:useLocalDpi xmlns:a14="http://schemas.microsoft.com/office/drawing/2010/main" val="0"/>
+              </a:ext>
+            </a:extLst>
+          </a:blip>
+          <a:stretch>
+            <a:fillRect/>
+          </a:stretch>
+        </p:blipFill>
+        <p:spPr>
+          <a:xfrm>
             <a:off x="10988842" y="5654842"/>
             <a:ext cx="1203157" cy="1203157"/>
           </a:xfrm>
@@ -5880,7 +7479,7 @@
     </p:spTree>
     <p:extLst>
       <p:ext uri="{BB962C8B-B14F-4D97-AF65-F5344CB8AC3E}">
-        <p14:creationId xmlns:p14="http://schemas.microsoft.com/office/powerpoint/2010/main" val="3433784511"/>
+        <p14:creationId xmlns:p14="http://schemas.microsoft.com/office/powerpoint/2010/main" val="700567770"/>
       </p:ext>
     </p:extLst>
   </p:cSld>
@@ -6149,4 +7748,265 @@
     </a:ext>
   </a:extLst>
 </a:theme>
+</file>
+
+<file path=ppt/theme/theme2.xml><?xml version="1.0" encoding="utf-8"?>
+<a:theme xmlns:a="http://schemas.openxmlformats.org/drawingml/2006/main" name="Office テーマ">
+  <a:themeElements>
+    <a:clrScheme name="Office">
+      <a:dk1>
+        <a:sysClr val="windowText" lastClr="000000"/>
+      </a:dk1>
+      <a:lt1>
+        <a:sysClr val="window" lastClr="FFFFFF"/>
+      </a:lt1>
+      <a:dk2>
+        <a:srgbClr val="44546A"/>
+      </a:dk2>
+      <a:lt2>
+        <a:srgbClr val="E7E6E6"/>
+      </a:lt2>
+      <a:accent1>
+        <a:srgbClr val="5B9BD5"/>
+      </a:accent1>
+      <a:accent2>
+        <a:srgbClr val="ED7D31"/>
+      </a:accent2>
+      <a:accent3>
+        <a:srgbClr val="A5A5A5"/>
+      </a:accent3>
+      <a:accent4>
+        <a:srgbClr val="FFC000"/>
+      </a:accent4>
+      <a:accent5>
+        <a:srgbClr val="4472C4"/>
+      </a:accent5>
+      <a:accent6>
+        <a:srgbClr val="70AD47"/>
+      </a:accent6>
+      <a:hlink>
+        <a:srgbClr val="0563C1"/>
+      </a:hlink>
+      <a:folHlink>
+        <a:srgbClr val="954F72"/>
+      </a:folHlink>
+    </a:clrScheme>
+    <a:fontScheme name="Office">
+      <a:majorFont>
+        <a:latin typeface="Calibri Light" panose="020F0302020204030204"/>
+        <a:ea typeface=""/>
+        <a:cs typeface=""/>
+        <a:font script="Jpan" typeface="ＭＳ Ｐゴシック"/>
+        <a:font script="Hang" typeface="맑은 고딕"/>
+        <a:font script="Hans" typeface="宋体"/>
+        <a:font script="Hant" typeface="新細明體"/>
+        <a:font script="Arab" typeface="Times New Roman"/>
+        <a:font script="Hebr" typeface="Times New Roman"/>
+        <a:font script="Thai" typeface="Angsana New"/>
+        <a:font script="Ethi" typeface="Nyala"/>
+        <a:font script="Beng" typeface="Vrinda"/>
+        <a:font script="Gujr" typeface="Shruti"/>
+        <a:font script="Khmr" typeface="MoolBoran"/>
+        <a:font script="Knda" typeface="Tunga"/>
+        <a:font script="Guru" typeface="Raavi"/>
+        <a:font script="Cans" typeface="Euphemia"/>
+        <a:font script="Cher" typeface="Plantagenet Cherokee"/>
+        <a:font script="Yiii" typeface="Microsoft Yi Baiti"/>
+        <a:font script="Tibt" typeface="Microsoft Himalaya"/>
+        <a:font script="Thaa" typeface="MV Boli"/>
+        <a:font script="Deva" typeface="Mangal"/>
+        <a:font script="Telu" typeface="Gautami"/>
+        <a:font script="Taml" typeface="Latha"/>
+        <a:font script="Syrc" typeface="Estrangelo Edessa"/>
+        <a:font script="Orya" typeface="Kalinga"/>
+        <a:font script="Mlym" typeface="Kartika"/>
+        <a:font script="Laoo" typeface="DokChampa"/>
+        <a:font script="Sinh" typeface="Iskoola Pota"/>
+        <a:font script="Mong" typeface="Mongolian Baiti"/>
+        <a:font script="Viet" typeface="Times New Roman"/>
+        <a:font script="Uigh" typeface="Microsoft Uighur"/>
+        <a:font script="Geor" typeface="Sylfaen"/>
+      </a:majorFont>
+      <a:minorFont>
+        <a:latin typeface="Calibri" panose="020F0502020204030204"/>
+        <a:ea typeface=""/>
+        <a:cs typeface=""/>
+        <a:font script="Jpan" typeface="ＭＳ Ｐゴシック"/>
+        <a:font script="Hang" typeface="맑은 고딕"/>
+        <a:font script="Hans" typeface="宋体"/>
+        <a:font script="Hant" typeface="新細明體"/>
+        <a:font script="Arab" typeface="Arial"/>
+        <a:font script="Hebr" typeface="Arial"/>
+        <a:font script="Thai" typeface="Cordia New"/>
+        <a:font script="Ethi" typeface="Nyala"/>
+        <a:font script="Beng" typeface="Vrinda"/>
+        <a:font script="Gujr" typeface="Shruti"/>
+        <a:font script="Khmr" typeface="DaunPenh"/>
+        <a:font script="Knda" typeface="Tunga"/>
+        <a:font script="Guru" typeface="Raavi"/>
+        <a:font script="Cans" typeface="Euphemia"/>
+        <a:font script="Cher" typeface="Plantagenet Cherokee"/>
+        <a:font script="Yiii" typeface="Microsoft Yi Baiti"/>
+        <a:font script="Tibt" typeface="Microsoft Himalaya"/>
+        <a:font script="Thaa" typeface="MV Boli"/>
+        <a:font script="Deva" typeface="Mangal"/>
+        <a:font script="Telu" typeface="Gautami"/>
+        <a:font script="Taml" typeface="Latha"/>
+        <a:font script="Syrc" typeface="Estrangelo Edessa"/>
+        <a:font script="Orya" typeface="Kalinga"/>
+        <a:font script="Mlym" typeface="Kartika"/>
+        <a:font script="Laoo" typeface="DokChampa"/>
+        <a:font script="Sinh" typeface="Iskoola Pota"/>
+        <a:font script="Mong" typeface="Mongolian Baiti"/>
+        <a:font script="Viet" typeface="Arial"/>
+        <a:font script="Uigh" typeface="Microsoft Uighur"/>
+        <a:font script="Geor" typeface="Sylfaen"/>
+      </a:minorFont>
+    </a:fontScheme>
+    <a:fmtScheme name="Office">
+      <a:fillStyleLst>
+        <a:solidFill>
+          <a:schemeClr val="phClr"/>
+        </a:solidFill>
+        <a:gradFill rotWithShape="1">
+          <a:gsLst>
+            <a:gs pos="0">
+              <a:schemeClr val="phClr">
+                <a:lumMod val="110000"/>
+                <a:satMod val="105000"/>
+                <a:tint val="67000"/>
+              </a:schemeClr>
+            </a:gs>
+            <a:gs pos="50000">
+              <a:schemeClr val="phClr">
+                <a:lumMod val="105000"/>
+                <a:satMod val="103000"/>
+                <a:tint val="73000"/>
+              </a:schemeClr>
+            </a:gs>
+            <a:gs pos="100000">
+              <a:schemeClr val="phClr">
+                <a:lumMod val="105000"/>
+                <a:satMod val="109000"/>
+                <a:tint val="81000"/>
+              </a:schemeClr>
+            </a:gs>
+          </a:gsLst>
+          <a:lin ang="5400000" scaled="0"/>
+        </a:gradFill>
+        <a:gradFill rotWithShape="1">
+          <a:gsLst>
+            <a:gs pos="0">
+              <a:schemeClr val="phClr">
+                <a:satMod val="103000"/>
+                <a:lumMod val="102000"/>
+                <a:tint val="94000"/>
+              </a:schemeClr>
+            </a:gs>
+            <a:gs pos="50000">
+              <a:schemeClr val="phClr">
+                <a:satMod val="110000"/>
+                <a:lumMod val="100000"/>
+                <a:shade val="100000"/>
+              </a:schemeClr>
+            </a:gs>
+            <a:gs pos="100000">
+              <a:schemeClr val="phClr">
+                <a:lumMod val="99000"/>
+                <a:satMod val="120000"/>
+                <a:shade val="78000"/>
+              </a:schemeClr>
+            </a:gs>
+          </a:gsLst>
+          <a:lin ang="5400000" scaled="0"/>
+        </a:gradFill>
+      </a:fillStyleLst>
+      <a:lnStyleLst>
+        <a:ln w="6350" cap="flat" cmpd="sng" algn="ctr">
+          <a:solidFill>
+            <a:schemeClr val="phClr"/>
+          </a:solidFill>
+          <a:prstDash val="solid"/>
+          <a:miter lim="800000"/>
+        </a:ln>
+        <a:ln w="12700" cap="flat" cmpd="sng" algn="ctr">
+          <a:solidFill>
+            <a:schemeClr val="phClr"/>
+          </a:solidFill>
+          <a:prstDash val="solid"/>
+          <a:miter lim="800000"/>
+        </a:ln>
+        <a:ln w="19050" cap="flat" cmpd="sng" algn="ctr">
+          <a:solidFill>
+            <a:schemeClr val="phClr"/>
+          </a:solidFill>
+          <a:prstDash val="solid"/>
+          <a:miter lim="800000"/>
+        </a:ln>
+      </a:lnStyleLst>
+      <a:effectStyleLst>
+        <a:effectStyle>
+          <a:effectLst/>
+        </a:effectStyle>
+        <a:effectStyle>
+          <a:effectLst/>
+        </a:effectStyle>
+        <a:effectStyle>
+          <a:effectLst>
+            <a:outerShdw blurRad="57150" dist="19050" dir="5400000" algn="ctr" rotWithShape="0">
+              <a:srgbClr val="000000">
+                <a:alpha val="63000"/>
+              </a:srgbClr>
+            </a:outerShdw>
+          </a:effectLst>
+        </a:effectStyle>
+      </a:effectStyleLst>
+      <a:bgFillStyleLst>
+        <a:solidFill>
+          <a:schemeClr val="phClr"/>
+        </a:solidFill>
+        <a:solidFill>
+          <a:schemeClr val="phClr">
+            <a:tint val="95000"/>
+            <a:satMod val="170000"/>
+          </a:schemeClr>
+        </a:solidFill>
+        <a:gradFill rotWithShape="1">
+          <a:gsLst>
+            <a:gs pos="0">
+              <a:schemeClr val="phClr">
+                <a:tint val="93000"/>
+                <a:satMod val="150000"/>
+                <a:shade val="98000"/>
+                <a:lumMod val="102000"/>
+              </a:schemeClr>
+            </a:gs>
+            <a:gs pos="50000">
+              <a:schemeClr val="phClr">
+                <a:tint val="98000"/>
+                <a:satMod val="130000"/>
+                <a:shade val="90000"/>
+                <a:lumMod val="103000"/>
+              </a:schemeClr>
+            </a:gs>
+            <a:gs pos="100000">
+              <a:schemeClr val="phClr">
+                <a:shade val="63000"/>
+                <a:satMod val="120000"/>
+              </a:schemeClr>
+            </a:gs>
+          </a:gsLst>
+          <a:lin ang="5400000" scaled="0"/>
+        </a:gradFill>
+      </a:bgFillStyleLst>
+    </a:fmtScheme>
+  </a:themeElements>
+  <a:objectDefaults/>
+  <a:extraClrSchemeLst/>
+  <a:extLst>
+    <a:ext uri="{05A4C25C-085E-4340-85A3-A5531E510DB2}">
+      <thm15:themeFamily xmlns:thm15="http://schemas.microsoft.com/office/thememl/2012/main" name="Office Theme" id="{62F939B6-93AF-4DB8-9C6B-D6C7DFDC589F}" vid="{4A3C46E8-61CC-4603-A589-7422A47A8E4A}"/>
+    </a:ext>
+  </a:extLst>
+</a:theme>
 </file>